--- a/docs/Eclipse Hackathon - RSD.pptx
+++ b/docs/Eclipse Hackathon - RSD.pptx
@@ -11,8 +11,8 @@
     <p:sldId id="256" r:id="rId2"/>
     <p:sldId id="257" r:id="rId3"/>
     <p:sldId id="264" r:id="rId4"/>
-    <p:sldId id="268" r:id="rId5"/>
-    <p:sldId id="267" r:id="rId6"/>
+    <p:sldId id="270" r:id="rId5"/>
+    <p:sldId id="269" r:id="rId6"/>
     <p:sldId id="266" r:id="rId7"/>
     <p:sldId id="259" r:id="rId8"/>
     <p:sldId id="260" r:id="rId9"/>
@@ -118,6 +118,11 @@
       </a:defRPr>
     </a:lvl9pPr>
   </p:defaultTextStyle>
+  <p:extLst>
+    <p:ext uri="{EFAFB233-063F-42B5-8137-9DF3F51BA10A}">
+      <p15:sldGuideLst xmlns:p15="http://schemas.microsoft.com/office/powerpoint/2012/main"/>
+    </p:ext>
+  </p:extLst>
 </p:presentation>
 </file>
 
@@ -203,7 +208,7 @@
           <a:p>
             <a:fld id="{B59F1454-DBE4-4241-BFEE-832A419B1E7F}" type="datetimeFigureOut">
               <a:rPr lang="ko-KR" altLang="en-US" smtClean="0"/>
-              <a:t>2025-09-17</a:t>
+              <a:t>2025-09-18</a:t>
             </a:fld>
             <a:endParaRPr lang="ko-KR" altLang="en-US"/>
           </a:p>
@@ -629,7 +634,34 @@
           <a:bodyPr/>
           <a:lstStyle/>
           <a:p>
-            <a:endParaRPr lang="ko-KR" altLang="en-US" dirty="0"/>
+            <a:r>
+              <a:rPr lang="ko-KR" altLang="en-US" dirty="0"/>
+              <a:t>이클립스 툴을 사용해 </a:t>
+            </a:r>
+            <a:r>
+              <a:rPr lang="en-US" altLang="ko-KR" dirty="0"/>
+              <a:t>ACC, AEB, LKAS </a:t>
+            </a:r>
+            <a:r>
+              <a:rPr lang="ko-KR" altLang="en-US" dirty="0"/>
+              <a:t>기능을 구현해보고</a:t>
+            </a:r>
+            <a:r>
+              <a:rPr lang="en-US" altLang="ko-KR" dirty="0"/>
+              <a:t>, </a:t>
+            </a:r>
+            <a:r>
+              <a:rPr lang="ko-KR" altLang="en-US" dirty="0"/>
+              <a:t>도로의 컨디션을 실시간으로 확인해 차량간 </a:t>
+            </a:r>
+            <a:r>
+              <a:rPr lang="ko-KR" altLang="en-US" dirty="0" err="1"/>
+              <a:t>조향</a:t>
+            </a:r>
+            <a:r>
+              <a:rPr lang="ko-KR" altLang="en-US" dirty="0"/>
+              <a:t> 및 안전거리 확보</a:t>
+            </a:r>
           </a:p>
         </p:txBody>
       </p:sp>
@@ -650,6 +682,90 @@
           <a:p>
             <a:fld id="{C7CB25F7-29AF-4D99-BCF0-EDD57D35B63F}" type="slidenum">
               <a:rPr lang="ko-KR" altLang="en-US" smtClean="0"/>
+              <a:t>3</a:t>
+            </a:fld>
+            <a:endParaRPr lang="ko-KR" altLang="en-US"/>
+          </a:p>
+        </p:txBody>
+      </p:sp>
+    </p:spTree>
+    <p:extLst>
+      <p:ext uri="{BB962C8B-B14F-4D97-AF65-F5344CB8AC3E}">
+        <p14:creationId xmlns:p14="http://schemas.microsoft.com/office/powerpoint/2010/main" val="311729851"/>
+      </p:ext>
+    </p:extLst>
+  </p:cSld>
+  <p:clrMapOvr>
+    <a:masterClrMapping/>
+  </p:clrMapOvr>
+</p:notes>
+</file>
+
+<file path=ppt/notesSlides/notesSlide3.xml><?xml version="1.0" encoding="utf-8"?>
+<p:notes xmlns:a="http://schemas.openxmlformats.org/drawingml/2006/main" xmlns:r="http://schemas.openxmlformats.org/officeDocument/2006/relationships" xmlns:p="http://schemas.openxmlformats.org/presentationml/2006/main">
+  <p:cSld>
+    <p:spTree>
+      <p:nvGrpSpPr>
+        <p:cNvPr id="1" name=""/>
+        <p:cNvGrpSpPr/>
+        <p:nvPr/>
+      </p:nvGrpSpPr>
+      <p:grpSpPr>
+        <a:xfrm>
+          <a:off x="0" y="0"/>
+          <a:ext cx="0" cy="0"/>
+          <a:chOff x="0" y="0"/>
+          <a:chExt cx="0" cy="0"/>
+        </a:xfrm>
+      </p:grpSpPr>
+      <p:sp>
+        <p:nvSpPr>
+          <p:cNvPr id="2" name="슬라이드 이미지 개체 틀 1"/>
+          <p:cNvSpPr>
+            <a:spLocks noGrp="1" noRot="1" noChangeAspect="1"/>
+          </p:cNvSpPr>
+          <p:nvPr>
+            <p:ph type="sldImg"/>
+          </p:nvPr>
+        </p:nvSpPr>
+        <p:spPr/>
+      </p:sp>
+      <p:sp>
+        <p:nvSpPr>
+          <p:cNvPr id="3" name="슬라이드 노트 개체 틀 2"/>
+          <p:cNvSpPr>
+            <a:spLocks noGrp="1"/>
+          </p:cNvSpPr>
+          <p:nvPr>
+            <p:ph type="body" idx="1"/>
+          </p:nvPr>
+        </p:nvSpPr>
+        <p:spPr/>
+        <p:txBody>
+          <a:bodyPr/>
+          <a:lstStyle/>
+          <a:p>
+            <a:endParaRPr lang="ko-KR" altLang="en-US" dirty="0"/>
+          </a:p>
+        </p:txBody>
+      </p:sp>
+      <p:sp>
+        <p:nvSpPr>
+          <p:cNvPr id="4" name="슬라이드 번호 개체 틀 3"/>
+          <p:cNvSpPr>
+            <a:spLocks noGrp="1"/>
+          </p:cNvSpPr>
+          <p:nvPr>
+            <p:ph type="sldNum" sz="quarter" idx="5"/>
+          </p:nvPr>
+        </p:nvSpPr>
+        <p:spPr/>
+        <p:txBody>
+          <a:bodyPr/>
+          <a:lstStyle/>
+          <a:p>
+            <a:fld id="{C7CB25F7-29AF-4D99-BCF0-EDD57D35B63F}" type="slidenum">
+              <a:rPr lang="ko-KR" altLang="en-US" smtClean="0"/>
               <a:t>6</a:t>
             </a:fld>
             <a:endParaRPr lang="ko-KR" altLang="en-US"/>
@@ -660,6 +776,509 @@
     <p:extLst>
       <p:ext uri="{BB962C8B-B14F-4D97-AF65-F5344CB8AC3E}">
         <p14:creationId xmlns:p14="http://schemas.microsoft.com/office/powerpoint/2010/main" val="3126224045"/>
+      </p:ext>
+    </p:extLst>
+  </p:cSld>
+  <p:clrMapOvr>
+    <a:masterClrMapping/>
+  </p:clrMapOvr>
+</p:notes>
+</file>
+
+<file path=ppt/notesSlides/notesSlide4.xml><?xml version="1.0" encoding="utf-8"?>
+<p:notes xmlns:a="http://schemas.openxmlformats.org/drawingml/2006/main" xmlns:r="http://schemas.openxmlformats.org/officeDocument/2006/relationships" xmlns:p="http://schemas.openxmlformats.org/presentationml/2006/main">
+  <p:cSld>
+    <p:spTree>
+      <p:nvGrpSpPr>
+        <p:cNvPr id="1" name=""/>
+        <p:cNvGrpSpPr/>
+        <p:nvPr/>
+      </p:nvGrpSpPr>
+      <p:grpSpPr>
+        <a:xfrm>
+          <a:off x="0" y="0"/>
+          <a:ext cx="0" cy="0"/>
+          <a:chOff x="0" y="0"/>
+          <a:chExt cx="0" cy="0"/>
+        </a:xfrm>
+      </p:grpSpPr>
+      <p:sp>
+        <p:nvSpPr>
+          <p:cNvPr id="2" name="슬라이드 이미지 개체 틀 1"/>
+          <p:cNvSpPr>
+            <a:spLocks noGrp="1" noRot="1" noChangeAspect="1"/>
+          </p:cNvSpPr>
+          <p:nvPr>
+            <p:ph type="sldImg"/>
+          </p:nvPr>
+        </p:nvSpPr>
+        <p:spPr/>
+      </p:sp>
+      <p:sp>
+        <p:nvSpPr>
+          <p:cNvPr id="3" name="슬라이드 노트 개체 틀 2"/>
+          <p:cNvSpPr>
+            <a:spLocks noGrp="1"/>
+          </p:cNvSpPr>
+          <p:nvPr>
+            <p:ph type="body" idx="1"/>
+          </p:nvPr>
+        </p:nvSpPr>
+        <p:spPr/>
+        <p:txBody>
+          <a:bodyPr/>
+          <a:lstStyle/>
+          <a:p>
+            <a:r>
+              <a:rPr lang="ko-KR" altLang="en-US" dirty="0"/>
+              <a:t>레이다를 통해 받아온 데이터를 가공하여</a:t>
+            </a:r>
+            <a:r>
+              <a:rPr lang="en-US" altLang="ko-KR" dirty="0"/>
+              <a:t>, </a:t>
+            </a:r>
+            <a:r>
+              <a:rPr lang="ko-KR" altLang="en-US" dirty="0"/>
+              <a:t>앞에 차량과의 </a:t>
+            </a:r>
+            <a:r>
+              <a:rPr lang="en-US" altLang="ko-KR" dirty="0"/>
+              <a:t>TTC (Time To Collision)</a:t>
+            </a:r>
+            <a:r>
+              <a:rPr lang="ko-KR" altLang="en-US" dirty="0"/>
+              <a:t>를 기준으로 </a:t>
+            </a:r>
+            <a:r>
+              <a:rPr lang="en-US" altLang="ko-KR" dirty="0"/>
+              <a:t>cruise, follow, AEB </a:t>
+            </a:r>
+            <a:r>
+              <a:rPr lang="ko-KR" altLang="en-US" dirty="0"/>
+              <a:t>모드로 변환함</a:t>
+            </a:r>
+            <a:r>
+              <a:rPr lang="en-US" altLang="ko-KR" dirty="0"/>
+              <a:t>.</a:t>
+            </a:r>
+            <a:endParaRPr lang="ko-KR" altLang="en-US" dirty="0"/>
+          </a:p>
+        </p:txBody>
+      </p:sp>
+      <p:sp>
+        <p:nvSpPr>
+          <p:cNvPr id="4" name="슬라이드 번호 개체 틀 3"/>
+          <p:cNvSpPr>
+            <a:spLocks noGrp="1"/>
+          </p:cNvSpPr>
+          <p:nvPr>
+            <p:ph type="sldNum" sz="quarter" idx="5"/>
+          </p:nvPr>
+        </p:nvSpPr>
+        <p:spPr/>
+        <p:txBody>
+          <a:bodyPr/>
+          <a:lstStyle/>
+          <a:p>
+            <a:fld id="{C7CB25F7-29AF-4D99-BCF0-EDD57D35B63F}" type="slidenum">
+              <a:rPr lang="ko-KR" altLang="en-US" smtClean="0"/>
+              <a:t>7</a:t>
+            </a:fld>
+            <a:endParaRPr lang="ko-KR" altLang="en-US"/>
+          </a:p>
+        </p:txBody>
+      </p:sp>
+    </p:spTree>
+    <p:extLst>
+      <p:ext uri="{BB962C8B-B14F-4D97-AF65-F5344CB8AC3E}">
+        <p14:creationId xmlns:p14="http://schemas.microsoft.com/office/powerpoint/2010/main" val="412116190"/>
+      </p:ext>
+    </p:extLst>
+  </p:cSld>
+  <p:clrMapOvr>
+    <a:masterClrMapping/>
+  </p:clrMapOvr>
+</p:notes>
+</file>
+
+<file path=ppt/notesSlides/notesSlide5.xml><?xml version="1.0" encoding="utf-8"?>
+<p:notes xmlns:a="http://schemas.openxmlformats.org/drawingml/2006/main" xmlns:r="http://schemas.openxmlformats.org/officeDocument/2006/relationships" xmlns:p="http://schemas.openxmlformats.org/presentationml/2006/main">
+  <p:cSld>
+    <p:spTree>
+      <p:nvGrpSpPr>
+        <p:cNvPr id="1" name=""/>
+        <p:cNvGrpSpPr/>
+        <p:nvPr/>
+      </p:nvGrpSpPr>
+      <p:grpSpPr>
+        <a:xfrm>
+          <a:off x="0" y="0"/>
+          <a:ext cx="0" cy="0"/>
+          <a:chOff x="0" y="0"/>
+          <a:chExt cx="0" cy="0"/>
+        </a:xfrm>
+      </p:grpSpPr>
+      <p:sp>
+        <p:nvSpPr>
+          <p:cNvPr id="2" name="슬라이드 이미지 개체 틀 1"/>
+          <p:cNvSpPr>
+            <a:spLocks noGrp="1" noRot="1" noChangeAspect="1"/>
+          </p:cNvSpPr>
+          <p:nvPr>
+            <p:ph type="sldImg"/>
+          </p:nvPr>
+        </p:nvSpPr>
+        <p:spPr/>
+      </p:sp>
+      <p:sp>
+        <p:nvSpPr>
+          <p:cNvPr id="3" name="슬라이드 노트 개체 틀 2"/>
+          <p:cNvSpPr>
+            <a:spLocks noGrp="1"/>
+          </p:cNvSpPr>
+          <p:nvPr>
+            <p:ph type="body" idx="1"/>
+          </p:nvPr>
+        </p:nvSpPr>
+        <p:spPr/>
+        <p:txBody>
+          <a:bodyPr/>
+          <a:lstStyle/>
+          <a:p>
+            <a:r>
+              <a:rPr lang="ko-KR" altLang="en-US" dirty="0"/>
+              <a:t>카메라 센서를 통해 차량 앞의 이미지를 실시간으로 받아오고 차선의 각도를 통해 차량이 차선에 맞춰 주행할 수 있게 동작</a:t>
+            </a:r>
+            <a:r>
+              <a:rPr lang="en-US" altLang="ko-KR" dirty="0"/>
+              <a:t>.</a:t>
+            </a:r>
+            <a:endParaRPr lang="ko-KR" altLang="en-US" dirty="0"/>
+          </a:p>
+        </p:txBody>
+      </p:sp>
+      <p:sp>
+        <p:nvSpPr>
+          <p:cNvPr id="4" name="슬라이드 번호 개체 틀 3"/>
+          <p:cNvSpPr>
+            <a:spLocks noGrp="1"/>
+          </p:cNvSpPr>
+          <p:nvPr>
+            <p:ph type="sldNum" sz="quarter" idx="5"/>
+          </p:nvPr>
+        </p:nvSpPr>
+        <p:spPr/>
+        <p:txBody>
+          <a:bodyPr/>
+          <a:lstStyle/>
+          <a:p>
+            <a:fld id="{C7CB25F7-29AF-4D99-BCF0-EDD57D35B63F}" type="slidenum">
+              <a:rPr lang="ko-KR" altLang="en-US" smtClean="0"/>
+              <a:t>8</a:t>
+            </a:fld>
+            <a:endParaRPr lang="ko-KR" altLang="en-US"/>
+          </a:p>
+        </p:txBody>
+      </p:sp>
+    </p:spTree>
+    <p:extLst>
+      <p:ext uri="{BB962C8B-B14F-4D97-AF65-F5344CB8AC3E}">
+        <p14:creationId xmlns:p14="http://schemas.microsoft.com/office/powerpoint/2010/main" val="1005995146"/>
+      </p:ext>
+    </p:extLst>
+  </p:cSld>
+  <p:clrMapOvr>
+    <a:masterClrMapping/>
+  </p:clrMapOvr>
+</p:notes>
+</file>
+
+<file path=ppt/notesSlides/notesSlide6.xml><?xml version="1.0" encoding="utf-8"?>
+<p:notes xmlns:a="http://schemas.openxmlformats.org/drawingml/2006/main" xmlns:r="http://schemas.openxmlformats.org/officeDocument/2006/relationships" xmlns:p="http://schemas.openxmlformats.org/presentationml/2006/main">
+  <p:cSld>
+    <p:spTree>
+      <p:nvGrpSpPr>
+        <p:cNvPr id="1" name=""/>
+        <p:cNvGrpSpPr/>
+        <p:nvPr/>
+      </p:nvGrpSpPr>
+      <p:grpSpPr>
+        <a:xfrm>
+          <a:off x="0" y="0"/>
+          <a:ext cx="0" cy="0"/>
+          <a:chOff x="0" y="0"/>
+          <a:chExt cx="0" cy="0"/>
+        </a:xfrm>
+      </p:grpSpPr>
+      <p:sp>
+        <p:nvSpPr>
+          <p:cNvPr id="2" name="슬라이드 이미지 개체 틀 1"/>
+          <p:cNvSpPr>
+            <a:spLocks noGrp="1" noRot="1" noChangeAspect="1"/>
+          </p:cNvSpPr>
+          <p:nvPr>
+            <p:ph type="sldImg"/>
+          </p:nvPr>
+        </p:nvSpPr>
+        <p:spPr/>
+      </p:sp>
+      <p:sp>
+        <p:nvSpPr>
+          <p:cNvPr id="3" name="슬라이드 노트 개체 틀 2"/>
+          <p:cNvSpPr>
+            <a:spLocks noGrp="1"/>
+          </p:cNvSpPr>
+          <p:nvPr>
+            <p:ph type="body" idx="1"/>
+          </p:nvPr>
+        </p:nvSpPr>
+        <p:spPr/>
+        <p:txBody>
+          <a:bodyPr/>
+          <a:lstStyle/>
+          <a:p>
+            <a:r>
+              <a:rPr lang="en-US" altLang="ko-KR" dirty="0"/>
+              <a:t>IMU </a:t>
+            </a:r>
+            <a:r>
+              <a:rPr lang="ko-KR" altLang="en-US" dirty="0"/>
+              <a:t>센서 </a:t>
+            </a:r>
+            <a:r>
+              <a:rPr lang="en-US" altLang="ko-KR" dirty="0"/>
+              <a:t>– </a:t>
+            </a:r>
+            <a:r>
+              <a:rPr lang="ko-KR" altLang="en-US" dirty="0"/>
+              <a:t>차체의 가속도 각속도</a:t>
+            </a:r>
+            <a:br>
+              <a:rPr lang="en-US" altLang="ko-KR" dirty="0"/>
+            </a:br>
+            <a:r>
+              <a:rPr lang="en-US" altLang="ko-KR" dirty="0"/>
+              <a:t>IMU</a:t>
+            </a:r>
+            <a:r>
+              <a:rPr lang="ko-KR" altLang="en-US" dirty="0"/>
+              <a:t> </a:t>
+            </a:r>
+            <a:r>
+              <a:rPr lang="en-US" altLang="ko-KR" dirty="0"/>
+              <a:t>+</a:t>
+            </a:r>
+            <a:r>
+              <a:rPr lang="ko-KR" altLang="en-US" dirty="0"/>
+              <a:t> 차량의 현재 속도 </a:t>
+            </a:r>
+            <a:r>
+              <a:rPr lang="en-US" altLang="ko-KR" dirty="0"/>
+              <a:t>+ </a:t>
+            </a:r>
+            <a:r>
+              <a:rPr lang="ko-KR" altLang="en-US" dirty="0"/>
+              <a:t>운전자 입력 </a:t>
+            </a:r>
+            <a:r>
+              <a:rPr lang="en-US" altLang="ko-KR" dirty="0"/>
+              <a:t>-&gt; </a:t>
+            </a:r>
+            <a:r>
+              <a:rPr lang="ko-KR" altLang="en-US" dirty="0" err="1"/>
+              <a:t>슬립율</a:t>
+            </a:r>
+            <a:r>
+              <a:rPr lang="ko-KR" altLang="en-US" dirty="0"/>
+              <a:t> 계산</a:t>
+            </a:r>
+            <a:br>
+              <a:rPr lang="en-US" altLang="ko-KR" dirty="0"/>
+            </a:br>
+            <a:r>
+              <a:rPr lang="ko-KR" altLang="en-US" dirty="0"/>
+              <a:t>기대속도 </a:t>
+            </a:r>
+            <a:r>
+              <a:rPr lang="en-US" altLang="ko-KR" dirty="0"/>
+              <a:t>– </a:t>
+            </a:r>
+            <a:r>
+              <a:rPr lang="ko-KR" altLang="en-US" dirty="0"/>
+              <a:t>실제 속도 </a:t>
+            </a:r>
+            <a:endParaRPr lang="en-US" altLang="ko-KR" dirty="0"/>
+          </a:p>
+          <a:p>
+            <a:r>
+              <a:rPr lang="ko-KR" altLang="en-US" dirty="0"/>
+              <a:t>얻은 슬립율을 통해 현재 날씨 추정</a:t>
+            </a:r>
+            <a:br>
+              <a:rPr lang="en-US" altLang="ko-KR" dirty="0"/>
+            </a:br>
+            <a:br>
+              <a:rPr lang="en-US" altLang="ko-KR" dirty="0"/>
+            </a:br>
+            <a:r>
+              <a:rPr lang="ko-KR" altLang="en-US" dirty="0"/>
+              <a:t>카메라 센서를 통해 차량 앞의 도로의 상태 추정</a:t>
+            </a:r>
+            <a:br>
+              <a:rPr lang="en-US" altLang="ko-KR" dirty="0"/>
+            </a:br>
+            <a:r>
+              <a:rPr lang="ko-KR" altLang="en-US" dirty="0"/>
+              <a:t>빛 반사율 및 질감</a:t>
+            </a:r>
+            <a:r>
+              <a:rPr lang="en-US" altLang="ko-KR" dirty="0"/>
+              <a:t>, </a:t>
+            </a:r>
+            <a:r>
+              <a:rPr lang="ko-KR" altLang="en-US" dirty="0"/>
+              <a:t>색상 밝기 분포를 통해 도로의 상태 파악</a:t>
+            </a:r>
+            <a:r>
+              <a:rPr lang="en-US" altLang="ko-KR" dirty="0"/>
+              <a:t>.</a:t>
+            </a:r>
+            <a:br>
+              <a:rPr lang="en-US" altLang="ko-KR" dirty="0"/>
+            </a:br>
+            <a:br>
+              <a:rPr lang="en-US" altLang="ko-KR" dirty="0"/>
+            </a:br>
+            <a:r>
+              <a:rPr lang="ko-KR" altLang="en-US" dirty="0"/>
+              <a:t>두가지 방법을 통해 현재 도로의 컨디션 파악 및 차량 안전거리 </a:t>
+            </a:r>
+            <a:r>
+              <a:rPr lang="en-US" altLang="ko-KR" dirty="0"/>
+              <a:t>&amp; </a:t>
+            </a:r>
+            <a:r>
+              <a:rPr lang="ko-KR" altLang="en-US" dirty="0" err="1"/>
+              <a:t>조향</a:t>
+            </a:r>
+            <a:r>
+              <a:rPr lang="ko-KR" altLang="en-US" dirty="0"/>
+              <a:t> 최적화</a:t>
+            </a:r>
+          </a:p>
+        </p:txBody>
+      </p:sp>
+      <p:sp>
+        <p:nvSpPr>
+          <p:cNvPr id="4" name="슬라이드 번호 개체 틀 3"/>
+          <p:cNvSpPr>
+            <a:spLocks noGrp="1"/>
+          </p:cNvSpPr>
+          <p:nvPr>
+            <p:ph type="sldNum" sz="quarter" idx="5"/>
+          </p:nvPr>
+        </p:nvSpPr>
+        <p:spPr/>
+        <p:txBody>
+          <a:bodyPr/>
+          <a:lstStyle/>
+          <a:p>
+            <a:fld id="{C7CB25F7-29AF-4D99-BCF0-EDD57D35B63F}" type="slidenum">
+              <a:rPr lang="ko-KR" altLang="en-US" smtClean="0"/>
+              <a:t>9</a:t>
+            </a:fld>
+            <a:endParaRPr lang="ko-KR" altLang="en-US"/>
+          </a:p>
+        </p:txBody>
+      </p:sp>
+    </p:spTree>
+    <p:extLst>
+      <p:ext uri="{BB962C8B-B14F-4D97-AF65-F5344CB8AC3E}">
+        <p14:creationId xmlns:p14="http://schemas.microsoft.com/office/powerpoint/2010/main" val="3083481643"/>
+      </p:ext>
+    </p:extLst>
+  </p:cSld>
+  <p:clrMapOvr>
+    <a:masterClrMapping/>
+  </p:clrMapOvr>
+</p:notes>
+</file>
+
+<file path=ppt/notesSlides/notesSlide7.xml><?xml version="1.0" encoding="utf-8"?>
+<p:notes xmlns:a="http://schemas.openxmlformats.org/drawingml/2006/main" xmlns:r="http://schemas.openxmlformats.org/officeDocument/2006/relationships" xmlns:p="http://schemas.openxmlformats.org/presentationml/2006/main">
+  <p:cSld>
+    <p:spTree>
+      <p:nvGrpSpPr>
+        <p:cNvPr id="1" name=""/>
+        <p:cNvGrpSpPr/>
+        <p:nvPr/>
+      </p:nvGrpSpPr>
+      <p:grpSpPr>
+        <a:xfrm>
+          <a:off x="0" y="0"/>
+          <a:ext cx="0" cy="0"/>
+          <a:chOff x="0" y="0"/>
+          <a:chExt cx="0" cy="0"/>
+        </a:xfrm>
+      </p:grpSpPr>
+      <p:sp>
+        <p:nvSpPr>
+          <p:cNvPr id="2" name="슬라이드 이미지 개체 틀 1"/>
+          <p:cNvSpPr>
+            <a:spLocks noGrp="1" noRot="1" noChangeAspect="1"/>
+          </p:cNvSpPr>
+          <p:nvPr>
+            <p:ph type="sldImg"/>
+          </p:nvPr>
+        </p:nvSpPr>
+        <p:spPr/>
+      </p:sp>
+      <p:sp>
+        <p:nvSpPr>
+          <p:cNvPr id="3" name="슬라이드 노트 개체 틀 2"/>
+          <p:cNvSpPr>
+            <a:spLocks noGrp="1"/>
+          </p:cNvSpPr>
+          <p:nvPr>
+            <p:ph type="body" idx="1"/>
+          </p:nvPr>
+        </p:nvSpPr>
+        <p:spPr/>
+        <p:txBody>
+          <a:bodyPr/>
+          <a:lstStyle/>
+          <a:p>
+            <a:endParaRPr lang="ko-KR" altLang="en-US" dirty="0"/>
+          </a:p>
+        </p:txBody>
+      </p:sp>
+      <p:sp>
+        <p:nvSpPr>
+          <p:cNvPr id="4" name="슬라이드 번호 개체 틀 3"/>
+          <p:cNvSpPr>
+            <a:spLocks noGrp="1"/>
+          </p:cNvSpPr>
+          <p:nvPr>
+            <p:ph type="sldNum" sz="quarter" idx="5"/>
+          </p:nvPr>
+        </p:nvSpPr>
+        <p:spPr/>
+        <p:txBody>
+          <a:bodyPr/>
+          <a:lstStyle/>
+          <a:p>
+            <a:fld id="{C7CB25F7-29AF-4D99-BCF0-EDD57D35B63F}" type="slidenum">
+              <a:rPr lang="ko-KR" altLang="en-US" smtClean="0"/>
+              <a:t>10</a:t>
+            </a:fld>
+            <a:endParaRPr lang="ko-KR" altLang="en-US"/>
+          </a:p>
+        </p:txBody>
+      </p:sp>
+    </p:spTree>
+    <p:extLst>
+      <p:ext uri="{BB962C8B-B14F-4D97-AF65-F5344CB8AC3E}">
+        <p14:creationId xmlns:p14="http://schemas.microsoft.com/office/powerpoint/2010/main" val="306562384"/>
       </p:ext>
     </p:extLst>
   </p:cSld>
@@ -816,7 +1435,7 @@
           <a:p>
             <a:fld id="{DE92163F-140F-4F13-AF95-7C95B9696F77}" type="datetimeFigureOut">
               <a:rPr lang="ko-KR" altLang="en-US" smtClean="0"/>
-              <a:t>2025-09-17</a:t>
+              <a:t>2025-09-18</a:t>
             </a:fld>
             <a:endParaRPr lang="ko-KR" altLang="en-US"/>
           </a:p>
@@ -1014,7 +1633,7 @@
           <a:p>
             <a:fld id="{DE92163F-140F-4F13-AF95-7C95B9696F77}" type="datetimeFigureOut">
               <a:rPr lang="ko-KR" altLang="en-US" smtClean="0"/>
-              <a:t>2025-09-17</a:t>
+              <a:t>2025-09-18</a:t>
             </a:fld>
             <a:endParaRPr lang="ko-KR" altLang="en-US"/>
           </a:p>
@@ -1222,7 +1841,7 @@
           <a:p>
             <a:fld id="{DE92163F-140F-4F13-AF95-7C95B9696F77}" type="datetimeFigureOut">
               <a:rPr lang="ko-KR" altLang="en-US" smtClean="0"/>
-              <a:t>2025-09-17</a:t>
+              <a:t>2025-09-18</a:t>
             </a:fld>
             <a:endParaRPr lang="ko-KR" altLang="en-US"/>
           </a:p>
@@ -1420,7 +2039,7 @@
           <a:p>
             <a:fld id="{DE92163F-140F-4F13-AF95-7C95B9696F77}" type="datetimeFigureOut">
               <a:rPr lang="ko-KR" altLang="en-US" smtClean="0"/>
-              <a:t>2025-09-17</a:t>
+              <a:t>2025-09-18</a:t>
             </a:fld>
             <a:endParaRPr lang="ko-KR" altLang="en-US"/>
           </a:p>
@@ -1695,7 +2314,7 @@
           <a:p>
             <a:fld id="{DE92163F-140F-4F13-AF95-7C95B9696F77}" type="datetimeFigureOut">
               <a:rPr lang="ko-KR" altLang="en-US" smtClean="0"/>
-              <a:t>2025-09-17</a:t>
+              <a:t>2025-09-18</a:t>
             </a:fld>
             <a:endParaRPr lang="ko-KR" altLang="en-US"/>
           </a:p>
@@ -1960,7 +2579,7 @@
           <a:p>
             <a:fld id="{DE92163F-140F-4F13-AF95-7C95B9696F77}" type="datetimeFigureOut">
               <a:rPr lang="ko-KR" altLang="en-US" smtClean="0"/>
-              <a:t>2025-09-17</a:t>
+              <a:t>2025-09-18</a:t>
             </a:fld>
             <a:endParaRPr lang="ko-KR" altLang="en-US"/>
           </a:p>
@@ -2372,7 +2991,7 @@
           <a:p>
             <a:fld id="{DE92163F-140F-4F13-AF95-7C95B9696F77}" type="datetimeFigureOut">
               <a:rPr lang="ko-KR" altLang="en-US" smtClean="0"/>
-              <a:t>2025-09-17</a:t>
+              <a:t>2025-09-18</a:t>
             </a:fld>
             <a:endParaRPr lang="ko-KR" altLang="en-US"/>
           </a:p>
@@ -2513,7 +3132,7 @@
           <a:p>
             <a:fld id="{DE92163F-140F-4F13-AF95-7C95B9696F77}" type="datetimeFigureOut">
               <a:rPr lang="ko-KR" altLang="en-US" smtClean="0"/>
-              <a:t>2025-09-17</a:t>
+              <a:t>2025-09-18</a:t>
             </a:fld>
             <a:endParaRPr lang="ko-KR" altLang="en-US"/>
           </a:p>
@@ -2626,7 +3245,7 @@
           <a:p>
             <a:fld id="{DE92163F-140F-4F13-AF95-7C95B9696F77}" type="datetimeFigureOut">
               <a:rPr lang="ko-KR" altLang="en-US" smtClean="0"/>
-              <a:t>2025-09-17</a:t>
+              <a:t>2025-09-18</a:t>
             </a:fld>
             <a:endParaRPr lang="ko-KR" altLang="en-US"/>
           </a:p>
@@ -2937,7 +3556,7 @@
           <a:p>
             <a:fld id="{DE92163F-140F-4F13-AF95-7C95B9696F77}" type="datetimeFigureOut">
               <a:rPr lang="ko-KR" altLang="en-US" smtClean="0"/>
-              <a:t>2025-09-17</a:t>
+              <a:t>2025-09-18</a:t>
             </a:fld>
             <a:endParaRPr lang="ko-KR" altLang="en-US"/>
           </a:p>
@@ -3225,7 +3844,7 @@
           <a:p>
             <a:fld id="{DE92163F-140F-4F13-AF95-7C95B9696F77}" type="datetimeFigureOut">
               <a:rPr lang="ko-KR" altLang="en-US" smtClean="0"/>
-              <a:t>2025-09-17</a:t>
+              <a:t>2025-09-18</a:t>
             </a:fld>
             <a:endParaRPr lang="ko-KR" altLang="en-US"/>
           </a:p>
@@ -3466,7 +4085,7 @@
           <a:p>
             <a:fld id="{DE92163F-140F-4F13-AF95-7C95B9696F77}" type="datetimeFigureOut">
               <a:rPr lang="ko-KR" altLang="en-US" smtClean="0"/>
-              <a:t>2025-09-17</a:t>
+              <a:t>2025-09-18</a:t>
             </a:fld>
             <a:endParaRPr lang="ko-KR" altLang="en-US"/>
           </a:p>
@@ -4299,15 +4918,7 @@
           <a:p>
             <a:r>
               <a:rPr lang="ko-KR" altLang="en-US" dirty="0"/>
-              <a:t>영상 </a:t>
-            </a:r>
-            <a:r>
-              <a:rPr lang="en-US" altLang="ko-KR" dirty="0"/>
-              <a:t>or</a:t>
-            </a:r>
-            <a:r>
-              <a:rPr lang="ko-KR" altLang="en-US" dirty="0"/>
-              <a:t> 데이터 비교</a:t>
+              <a:t>데이터 비교</a:t>
             </a:r>
           </a:p>
         </p:txBody>
@@ -4409,7 +5020,7 @@
           <a:p>
             <a:r>
               <a:rPr lang="en-US" altLang="ko-KR" dirty="0"/>
-              <a:t>vehicle signal exchange</a:t>
+              <a:t>standardized vehicle signal exchange</a:t>
             </a:r>
           </a:p>
           <a:p>
@@ -4993,13 +5604,7 @@
   <p:cSld>
     <p:spTree>
       <p:nvGrpSpPr>
-        <p:cNvPr id="1" name="">
-          <a:extLst>
-            <a:ext uri="{FF2B5EF4-FFF2-40B4-BE49-F238E27FC236}">
-              <a16:creationId xmlns:a16="http://schemas.microsoft.com/office/drawing/2014/main" id="{36631CD1-FCBF-7A4F-7D89-B7300CCBB58A}"/>
-            </a:ext>
-          </a:extLst>
-        </p:cNvPr>
+        <p:cNvPr id="1" name=""/>
         <p:cNvGrpSpPr/>
         <p:nvPr/>
       </p:nvGrpSpPr>
@@ -5013,10 +5618,1119 @@
       </p:grpSpPr>
       <p:sp>
         <p:nvSpPr>
+          <p:cNvPr id="4" name="사각형: 둥근 모서리 3">
+            <a:extLst>
+              <a:ext uri="{FF2B5EF4-FFF2-40B4-BE49-F238E27FC236}">
+                <a16:creationId xmlns:a16="http://schemas.microsoft.com/office/drawing/2014/main" id="{66A024F4-9C82-48E4-7BCD-4617ED165FA2}"/>
+              </a:ext>
+            </a:extLst>
+          </p:cNvPr>
+          <p:cNvSpPr/>
+          <p:nvPr/>
+        </p:nvSpPr>
+        <p:spPr>
+          <a:xfrm>
+            <a:off x="1000962" y="2649165"/>
+            <a:ext cx="1117600" cy="544946"/>
+          </a:xfrm>
+          <a:prstGeom prst="roundRect">
+            <a:avLst/>
+          </a:prstGeom>
+          <a:noFill/>
+          <a:ln>
+            <a:solidFill>
+              <a:schemeClr val="tx1"/>
+            </a:solidFill>
+          </a:ln>
+        </p:spPr>
+        <p:style>
+          <a:lnRef idx="2">
+            <a:schemeClr val="accent1">
+              <a:shade val="15000"/>
+            </a:schemeClr>
+          </a:lnRef>
+          <a:fillRef idx="1">
+            <a:schemeClr val="accent1"/>
+          </a:fillRef>
+          <a:effectRef idx="0">
+            <a:schemeClr val="accent1"/>
+          </a:effectRef>
+          <a:fontRef idx="minor">
+            <a:schemeClr val="lt1"/>
+          </a:fontRef>
+        </p:style>
+        <p:txBody>
+          <a:bodyPr rtlCol="0" anchor="ctr"/>
+          <a:lstStyle/>
+          <a:p>
+            <a:pPr algn="ctr"/>
+            <a:r>
+              <a:rPr lang="en-US" altLang="ko-KR" dirty="0">
+                <a:solidFill>
+                  <a:schemeClr val="tx1"/>
+                </a:solidFill>
+              </a:rPr>
+              <a:t>IMU</a:t>
+            </a:r>
+            <a:endParaRPr lang="ko-KR" altLang="en-US" dirty="0">
+              <a:solidFill>
+                <a:schemeClr val="tx1"/>
+              </a:solidFill>
+            </a:endParaRPr>
+          </a:p>
+        </p:txBody>
+      </p:sp>
+      <p:sp>
+        <p:nvSpPr>
+          <p:cNvPr id="5" name="사각형: 둥근 모서리 4">
+            <a:extLst>
+              <a:ext uri="{FF2B5EF4-FFF2-40B4-BE49-F238E27FC236}">
+                <a16:creationId xmlns:a16="http://schemas.microsoft.com/office/drawing/2014/main" id="{3C24D1E7-5C11-1B38-3C75-8CA121FEA092}"/>
+              </a:ext>
+            </a:extLst>
+          </p:cNvPr>
+          <p:cNvSpPr/>
+          <p:nvPr/>
+        </p:nvSpPr>
+        <p:spPr>
+          <a:xfrm>
+            <a:off x="1000962" y="5638071"/>
+            <a:ext cx="1117600" cy="544946"/>
+          </a:xfrm>
+          <a:prstGeom prst="roundRect">
+            <a:avLst/>
+          </a:prstGeom>
+          <a:noFill/>
+          <a:ln>
+            <a:solidFill>
+              <a:schemeClr val="tx1"/>
+            </a:solidFill>
+          </a:ln>
+        </p:spPr>
+        <p:style>
+          <a:lnRef idx="2">
+            <a:schemeClr val="accent1">
+              <a:shade val="15000"/>
+            </a:schemeClr>
+          </a:lnRef>
+          <a:fillRef idx="1">
+            <a:schemeClr val="accent1"/>
+          </a:fillRef>
+          <a:effectRef idx="0">
+            <a:schemeClr val="accent1"/>
+          </a:effectRef>
+          <a:fontRef idx="minor">
+            <a:schemeClr val="lt1"/>
+          </a:fontRef>
+        </p:style>
+        <p:txBody>
+          <a:bodyPr rtlCol="0" anchor="ctr"/>
+          <a:lstStyle/>
+          <a:p>
+            <a:pPr algn="ctr"/>
+            <a:r>
+              <a:rPr lang="en-US" altLang="ko-KR" dirty="0">
+                <a:solidFill>
+                  <a:schemeClr val="tx1"/>
+                </a:solidFill>
+              </a:rPr>
+              <a:t>Camera</a:t>
+            </a:r>
+            <a:endParaRPr lang="ko-KR" altLang="en-US" dirty="0">
+              <a:solidFill>
+                <a:schemeClr val="tx1"/>
+              </a:solidFill>
+            </a:endParaRPr>
+          </a:p>
+        </p:txBody>
+      </p:sp>
+      <p:sp>
+        <p:nvSpPr>
+          <p:cNvPr id="6" name="사각형: 둥근 모서리 5">
+            <a:extLst>
+              <a:ext uri="{FF2B5EF4-FFF2-40B4-BE49-F238E27FC236}">
+                <a16:creationId xmlns:a16="http://schemas.microsoft.com/office/drawing/2014/main" id="{13E55620-0745-442C-5B0B-09A8E3D4E085}"/>
+              </a:ext>
+            </a:extLst>
+          </p:cNvPr>
+          <p:cNvSpPr/>
+          <p:nvPr/>
+        </p:nvSpPr>
+        <p:spPr>
+          <a:xfrm>
+            <a:off x="1000962" y="3507581"/>
+            <a:ext cx="1117600" cy="544946"/>
+          </a:xfrm>
+          <a:prstGeom prst="roundRect">
+            <a:avLst/>
+          </a:prstGeom>
+          <a:noFill/>
+          <a:ln>
+            <a:solidFill>
+              <a:schemeClr val="tx1"/>
+            </a:solidFill>
+          </a:ln>
+        </p:spPr>
+        <p:style>
+          <a:lnRef idx="2">
+            <a:schemeClr val="accent1">
+              <a:shade val="15000"/>
+            </a:schemeClr>
+          </a:lnRef>
+          <a:fillRef idx="1">
+            <a:schemeClr val="accent1"/>
+          </a:fillRef>
+          <a:effectRef idx="0">
+            <a:schemeClr val="accent1"/>
+          </a:effectRef>
+          <a:fontRef idx="minor">
+            <a:schemeClr val="lt1"/>
+          </a:fontRef>
+        </p:style>
+        <p:txBody>
+          <a:bodyPr rtlCol="0" anchor="ctr"/>
+          <a:lstStyle/>
+          <a:p>
+            <a:pPr algn="ctr"/>
+            <a:r>
+              <a:rPr lang="en-US" altLang="ko-KR" dirty="0">
+                <a:solidFill>
+                  <a:schemeClr val="tx1"/>
+                </a:solidFill>
+              </a:rPr>
+              <a:t>CurrentVelocity</a:t>
+            </a:r>
+            <a:endParaRPr lang="ko-KR" altLang="en-US" dirty="0">
+              <a:solidFill>
+                <a:schemeClr val="tx1"/>
+              </a:solidFill>
+            </a:endParaRPr>
+          </a:p>
+        </p:txBody>
+      </p:sp>
+      <p:sp>
+        <p:nvSpPr>
+          <p:cNvPr id="7" name="사각형: 둥근 모서리 6">
+            <a:extLst>
+              <a:ext uri="{FF2B5EF4-FFF2-40B4-BE49-F238E27FC236}">
+                <a16:creationId xmlns:a16="http://schemas.microsoft.com/office/drawing/2014/main" id="{A68AA38A-EE1E-B946-9BEB-D68B1AE406B7}"/>
+              </a:ext>
+            </a:extLst>
+          </p:cNvPr>
+          <p:cNvSpPr/>
+          <p:nvPr/>
+        </p:nvSpPr>
+        <p:spPr>
+          <a:xfrm>
+            <a:off x="1000962" y="4365997"/>
+            <a:ext cx="1117600" cy="544946"/>
+          </a:xfrm>
+          <a:prstGeom prst="roundRect">
+            <a:avLst/>
+          </a:prstGeom>
+          <a:noFill/>
+          <a:ln>
+            <a:solidFill>
+              <a:schemeClr val="tx1"/>
+            </a:solidFill>
+          </a:ln>
+        </p:spPr>
+        <p:style>
+          <a:lnRef idx="2">
+            <a:schemeClr val="accent1">
+              <a:shade val="15000"/>
+            </a:schemeClr>
+          </a:lnRef>
+          <a:fillRef idx="1">
+            <a:schemeClr val="accent1"/>
+          </a:fillRef>
+          <a:effectRef idx="0">
+            <a:schemeClr val="accent1"/>
+          </a:effectRef>
+          <a:fontRef idx="minor">
+            <a:schemeClr val="lt1"/>
+          </a:fontRef>
+        </p:style>
+        <p:txBody>
+          <a:bodyPr rtlCol="0" anchor="ctr"/>
+          <a:lstStyle/>
+          <a:p>
+            <a:pPr algn="ctr"/>
+            <a:r>
+              <a:rPr lang="en-US" altLang="ko-KR" dirty="0">
+                <a:solidFill>
+                  <a:schemeClr val="tx1"/>
+                </a:solidFill>
+              </a:rPr>
+              <a:t>Set Velocity</a:t>
+            </a:r>
+            <a:endParaRPr lang="ko-KR" altLang="en-US" dirty="0">
+              <a:solidFill>
+                <a:schemeClr val="tx1"/>
+              </a:solidFill>
+            </a:endParaRPr>
+          </a:p>
+        </p:txBody>
+      </p:sp>
+      <p:sp>
+        <p:nvSpPr>
+          <p:cNvPr id="8" name="사각형: 둥근 모서리 7">
+            <a:extLst>
+              <a:ext uri="{FF2B5EF4-FFF2-40B4-BE49-F238E27FC236}">
+                <a16:creationId xmlns:a16="http://schemas.microsoft.com/office/drawing/2014/main" id="{114F4588-F39B-ED7D-6B58-426623C9D7E8}"/>
+              </a:ext>
+            </a:extLst>
+          </p:cNvPr>
+          <p:cNvSpPr/>
+          <p:nvPr/>
+        </p:nvSpPr>
+        <p:spPr>
+          <a:xfrm>
+            <a:off x="3887232" y="3507581"/>
+            <a:ext cx="1117600" cy="544946"/>
+          </a:xfrm>
+          <a:prstGeom prst="roundRect">
+            <a:avLst/>
+          </a:prstGeom>
+          <a:noFill/>
+          <a:ln>
+            <a:solidFill>
+              <a:schemeClr val="tx1"/>
+            </a:solidFill>
+          </a:ln>
+        </p:spPr>
+        <p:style>
+          <a:lnRef idx="2">
+            <a:schemeClr val="accent1">
+              <a:shade val="15000"/>
+            </a:schemeClr>
+          </a:lnRef>
+          <a:fillRef idx="1">
+            <a:schemeClr val="accent1"/>
+          </a:fillRef>
+          <a:effectRef idx="0">
+            <a:schemeClr val="accent1"/>
+          </a:effectRef>
+          <a:fontRef idx="minor">
+            <a:schemeClr val="lt1"/>
+          </a:fontRef>
+        </p:style>
+        <p:txBody>
+          <a:bodyPr rtlCol="0" anchor="ctr"/>
+          <a:lstStyle/>
+          <a:p>
+            <a:pPr algn="ctr"/>
+            <a:r>
+              <a:rPr lang="en-US" altLang="ko-KR" dirty="0">
+                <a:solidFill>
+                  <a:schemeClr val="tx1"/>
+                </a:solidFill>
+              </a:rPr>
+              <a:t>Slip</a:t>
+            </a:r>
+            <a:endParaRPr lang="ko-KR" altLang="en-US" dirty="0">
+              <a:solidFill>
+                <a:schemeClr val="tx1"/>
+              </a:solidFill>
+            </a:endParaRPr>
+          </a:p>
+        </p:txBody>
+      </p:sp>
+      <p:cxnSp>
+        <p:nvCxnSpPr>
+          <p:cNvPr id="10" name="연결선: 꺾임 9">
+            <a:extLst>
+              <a:ext uri="{FF2B5EF4-FFF2-40B4-BE49-F238E27FC236}">
+                <a16:creationId xmlns:a16="http://schemas.microsoft.com/office/drawing/2014/main" id="{D5E1D677-BF4D-4561-62A0-0AA785D772F6}"/>
+              </a:ext>
+            </a:extLst>
+          </p:cNvPr>
+          <p:cNvCxnSpPr>
+            <a:cxnSpLocks/>
+            <a:stCxn id="4" idx="3"/>
+            <a:endCxn id="8" idx="1"/>
+          </p:cNvCxnSpPr>
+          <p:nvPr/>
+        </p:nvCxnSpPr>
+        <p:spPr>
+          <a:xfrm>
+            <a:off x="2118562" y="2921638"/>
+            <a:ext cx="1768670" cy="858416"/>
+          </a:xfrm>
+          <a:prstGeom prst="bentConnector3">
+            <a:avLst>
+              <a:gd name="adj1" fmla="val 33843"/>
+            </a:avLst>
+          </a:prstGeom>
+          <a:ln>
+            <a:solidFill>
+              <a:srgbClr val="FF0000"/>
+            </a:solidFill>
+            <a:tailEnd type="triangle"/>
+          </a:ln>
+        </p:spPr>
+        <p:style>
+          <a:lnRef idx="2">
+            <a:schemeClr val="dk1"/>
+          </a:lnRef>
+          <a:fillRef idx="0">
+            <a:schemeClr val="dk1"/>
+          </a:fillRef>
+          <a:effectRef idx="1">
+            <a:schemeClr val="dk1"/>
+          </a:effectRef>
+          <a:fontRef idx="minor">
+            <a:schemeClr val="tx1"/>
+          </a:fontRef>
+        </p:style>
+      </p:cxnSp>
+      <p:cxnSp>
+        <p:nvCxnSpPr>
+          <p:cNvPr id="13" name="연결선: 꺾임 12">
+            <a:extLst>
+              <a:ext uri="{FF2B5EF4-FFF2-40B4-BE49-F238E27FC236}">
+                <a16:creationId xmlns:a16="http://schemas.microsoft.com/office/drawing/2014/main" id="{A5C29EF9-34A7-5C27-20C8-09B9BEE41012}"/>
+              </a:ext>
+            </a:extLst>
+          </p:cNvPr>
+          <p:cNvCxnSpPr>
+            <a:stCxn id="7" idx="3"/>
+            <a:endCxn id="8" idx="1"/>
+          </p:cNvCxnSpPr>
+          <p:nvPr/>
+        </p:nvCxnSpPr>
+        <p:spPr>
+          <a:xfrm flipV="1">
+            <a:off x="2118562" y="3780054"/>
+            <a:ext cx="1768670" cy="858416"/>
+          </a:xfrm>
+          <a:prstGeom prst="bentConnector3">
+            <a:avLst>
+              <a:gd name="adj1" fmla="val 33844"/>
+            </a:avLst>
+          </a:prstGeom>
+          <a:ln>
+            <a:solidFill>
+              <a:srgbClr val="FF0000"/>
+            </a:solidFill>
+            <a:tailEnd type="triangle"/>
+          </a:ln>
+        </p:spPr>
+        <p:style>
+          <a:lnRef idx="2">
+            <a:schemeClr val="dk1"/>
+          </a:lnRef>
+          <a:fillRef idx="0">
+            <a:schemeClr val="dk1"/>
+          </a:fillRef>
+          <a:effectRef idx="1">
+            <a:schemeClr val="dk1"/>
+          </a:effectRef>
+          <a:fontRef idx="minor">
+            <a:schemeClr val="tx1"/>
+          </a:fontRef>
+        </p:style>
+      </p:cxnSp>
+      <p:cxnSp>
+        <p:nvCxnSpPr>
+          <p:cNvPr id="15" name="직선 화살표 연결선 14">
+            <a:extLst>
+              <a:ext uri="{FF2B5EF4-FFF2-40B4-BE49-F238E27FC236}">
+                <a16:creationId xmlns:a16="http://schemas.microsoft.com/office/drawing/2014/main" id="{98D22D6B-56BB-9B08-89B4-30880DA6EF7B}"/>
+              </a:ext>
+            </a:extLst>
+          </p:cNvPr>
+          <p:cNvCxnSpPr>
+            <a:stCxn id="6" idx="3"/>
+            <a:endCxn id="8" idx="1"/>
+          </p:cNvCxnSpPr>
+          <p:nvPr/>
+        </p:nvCxnSpPr>
+        <p:spPr>
+          <a:xfrm>
+            <a:off x="2118562" y="3780054"/>
+            <a:ext cx="1768670" cy="0"/>
+          </a:xfrm>
+          <a:prstGeom prst="straightConnector1">
+            <a:avLst/>
+          </a:prstGeom>
+          <a:ln>
+            <a:solidFill>
+              <a:srgbClr val="FF0000"/>
+            </a:solidFill>
+            <a:tailEnd type="triangle"/>
+          </a:ln>
+        </p:spPr>
+        <p:style>
+          <a:lnRef idx="2">
+            <a:schemeClr val="dk1"/>
+          </a:lnRef>
+          <a:fillRef idx="0">
+            <a:schemeClr val="dk1"/>
+          </a:fillRef>
+          <a:effectRef idx="1">
+            <a:schemeClr val="dk1"/>
+          </a:effectRef>
+          <a:fontRef idx="minor">
+            <a:schemeClr val="tx1"/>
+          </a:fontRef>
+        </p:style>
+      </p:cxnSp>
+      <p:sp>
+        <p:nvSpPr>
+          <p:cNvPr id="16" name="사각형: 둥근 모서리 15">
+            <a:extLst>
+              <a:ext uri="{FF2B5EF4-FFF2-40B4-BE49-F238E27FC236}">
+                <a16:creationId xmlns:a16="http://schemas.microsoft.com/office/drawing/2014/main" id="{CE3607D7-0DEC-89D5-4B44-BD96BB99711A}"/>
+              </a:ext>
+            </a:extLst>
+          </p:cNvPr>
+          <p:cNvSpPr/>
+          <p:nvPr/>
+        </p:nvSpPr>
+        <p:spPr>
+          <a:xfrm>
+            <a:off x="7364060" y="3952919"/>
+            <a:ext cx="1117600" cy="544946"/>
+          </a:xfrm>
+          <a:prstGeom prst="roundRect">
+            <a:avLst/>
+          </a:prstGeom>
+          <a:noFill/>
+          <a:ln>
+            <a:solidFill>
+              <a:schemeClr val="tx1"/>
+            </a:solidFill>
+          </a:ln>
+        </p:spPr>
+        <p:style>
+          <a:lnRef idx="2">
+            <a:schemeClr val="accent1">
+              <a:shade val="15000"/>
+            </a:schemeClr>
+          </a:lnRef>
+          <a:fillRef idx="1">
+            <a:schemeClr val="accent1"/>
+          </a:fillRef>
+          <a:effectRef idx="0">
+            <a:schemeClr val="accent1"/>
+          </a:effectRef>
+          <a:fontRef idx="minor">
+            <a:schemeClr val="lt1"/>
+          </a:fontRef>
+        </p:style>
+        <p:txBody>
+          <a:bodyPr rtlCol="0" anchor="ctr"/>
+          <a:lstStyle/>
+          <a:p>
+            <a:pPr algn="ctr"/>
+            <a:r>
+              <a:rPr lang="en-US" altLang="ko-KR" dirty="0">
+                <a:solidFill>
+                  <a:schemeClr val="tx1"/>
+                </a:solidFill>
+              </a:rPr>
+              <a:t>Wet</a:t>
+            </a:r>
+            <a:endParaRPr lang="ko-KR" altLang="en-US" dirty="0">
+              <a:solidFill>
+                <a:schemeClr val="tx1"/>
+              </a:solidFill>
+            </a:endParaRPr>
+          </a:p>
+        </p:txBody>
+      </p:sp>
+      <p:sp>
+        <p:nvSpPr>
+          <p:cNvPr id="18" name="사각형: 둥근 모서리 17">
+            <a:extLst>
+              <a:ext uri="{FF2B5EF4-FFF2-40B4-BE49-F238E27FC236}">
+                <a16:creationId xmlns:a16="http://schemas.microsoft.com/office/drawing/2014/main" id="{51275DA9-09F4-61C2-0BEF-B83724E54D11}"/>
+              </a:ext>
+            </a:extLst>
+          </p:cNvPr>
+          <p:cNvSpPr/>
+          <p:nvPr/>
+        </p:nvSpPr>
+        <p:spPr>
+          <a:xfrm>
+            <a:off x="7364060" y="2151303"/>
+            <a:ext cx="1117600" cy="544946"/>
+          </a:xfrm>
+          <a:prstGeom prst="roundRect">
+            <a:avLst/>
+          </a:prstGeom>
+          <a:noFill/>
+          <a:ln>
+            <a:solidFill>
+              <a:schemeClr val="tx1"/>
+            </a:solidFill>
+          </a:ln>
+        </p:spPr>
+        <p:style>
+          <a:lnRef idx="2">
+            <a:schemeClr val="accent1">
+              <a:shade val="15000"/>
+            </a:schemeClr>
+          </a:lnRef>
+          <a:fillRef idx="1">
+            <a:schemeClr val="accent1"/>
+          </a:fillRef>
+          <a:effectRef idx="0">
+            <a:schemeClr val="accent1"/>
+          </a:effectRef>
+          <a:fontRef idx="minor">
+            <a:schemeClr val="lt1"/>
+          </a:fontRef>
+        </p:style>
+        <p:txBody>
+          <a:bodyPr rtlCol="0" anchor="ctr"/>
+          <a:lstStyle/>
+          <a:p>
+            <a:pPr algn="ctr"/>
+            <a:r>
+              <a:rPr lang="en-US" altLang="ko-KR" dirty="0">
+                <a:solidFill>
+                  <a:schemeClr val="tx1"/>
+                </a:solidFill>
+              </a:rPr>
+              <a:t>Dry</a:t>
+            </a:r>
+            <a:endParaRPr lang="ko-KR" altLang="en-US" dirty="0">
+              <a:solidFill>
+                <a:schemeClr val="tx1"/>
+              </a:solidFill>
+            </a:endParaRPr>
+          </a:p>
+        </p:txBody>
+      </p:sp>
+      <p:sp>
+        <p:nvSpPr>
+          <p:cNvPr id="19" name="사각형: 둥근 모서리 18">
+            <a:extLst>
+              <a:ext uri="{FF2B5EF4-FFF2-40B4-BE49-F238E27FC236}">
+                <a16:creationId xmlns:a16="http://schemas.microsoft.com/office/drawing/2014/main" id="{618F8C91-1967-4AE0-55D3-DE800D98ED72}"/>
+              </a:ext>
+            </a:extLst>
+          </p:cNvPr>
+          <p:cNvSpPr/>
+          <p:nvPr/>
+        </p:nvSpPr>
+        <p:spPr>
+          <a:xfrm>
+            <a:off x="7364060" y="5754535"/>
+            <a:ext cx="1117600" cy="544946"/>
+          </a:xfrm>
+          <a:prstGeom prst="roundRect">
+            <a:avLst/>
+          </a:prstGeom>
+          <a:noFill/>
+          <a:ln>
+            <a:solidFill>
+              <a:schemeClr val="tx1"/>
+            </a:solidFill>
+          </a:ln>
+        </p:spPr>
+        <p:style>
+          <a:lnRef idx="2">
+            <a:schemeClr val="accent1">
+              <a:shade val="15000"/>
+            </a:schemeClr>
+          </a:lnRef>
+          <a:fillRef idx="1">
+            <a:schemeClr val="accent1"/>
+          </a:fillRef>
+          <a:effectRef idx="0">
+            <a:schemeClr val="accent1"/>
+          </a:effectRef>
+          <a:fontRef idx="minor">
+            <a:schemeClr val="lt1"/>
+          </a:fontRef>
+        </p:style>
+        <p:txBody>
+          <a:bodyPr rtlCol="0" anchor="ctr"/>
+          <a:lstStyle/>
+          <a:p>
+            <a:pPr algn="ctr"/>
+            <a:r>
+              <a:rPr lang="en-US" altLang="ko-KR" dirty="0">
+                <a:solidFill>
+                  <a:schemeClr val="tx1"/>
+                </a:solidFill>
+              </a:rPr>
+              <a:t>Icy</a:t>
+            </a:r>
+            <a:endParaRPr lang="ko-KR" altLang="en-US" dirty="0">
+              <a:solidFill>
+                <a:schemeClr val="tx1"/>
+              </a:solidFill>
+            </a:endParaRPr>
+          </a:p>
+        </p:txBody>
+      </p:sp>
+      <p:cxnSp>
+        <p:nvCxnSpPr>
+          <p:cNvPr id="21" name="연결선: 꺾임 20">
+            <a:extLst>
+              <a:ext uri="{FF2B5EF4-FFF2-40B4-BE49-F238E27FC236}">
+                <a16:creationId xmlns:a16="http://schemas.microsoft.com/office/drawing/2014/main" id="{F8C11BF3-9E13-D0F9-5E7A-B035DFA961C5}"/>
+              </a:ext>
+            </a:extLst>
+          </p:cNvPr>
+          <p:cNvCxnSpPr>
+            <a:stCxn id="8" idx="3"/>
+            <a:endCxn id="18" idx="1"/>
+          </p:cNvCxnSpPr>
+          <p:nvPr/>
+        </p:nvCxnSpPr>
+        <p:spPr>
+          <a:xfrm flipV="1">
+            <a:off x="5004832" y="2423776"/>
+            <a:ext cx="2359228" cy="1356278"/>
+          </a:xfrm>
+          <a:prstGeom prst="bentConnector3">
+            <a:avLst/>
+          </a:prstGeom>
+          <a:ln>
+            <a:solidFill>
+              <a:srgbClr val="FF0000"/>
+            </a:solidFill>
+            <a:tailEnd type="triangle"/>
+          </a:ln>
+        </p:spPr>
+        <p:style>
+          <a:lnRef idx="2">
+            <a:schemeClr val="dk1"/>
+          </a:lnRef>
+          <a:fillRef idx="0">
+            <a:schemeClr val="dk1"/>
+          </a:fillRef>
+          <a:effectRef idx="1">
+            <a:schemeClr val="dk1"/>
+          </a:effectRef>
+          <a:fontRef idx="minor">
+            <a:schemeClr val="tx1"/>
+          </a:fontRef>
+        </p:style>
+      </p:cxnSp>
+      <p:cxnSp>
+        <p:nvCxnSpPr>
+          <p:cNvPr id="23" name="연결선: 꺾임 22">
+            <a:extLst>
+              <a:ext uri="{FF2B5EF4-FFF2-40B4-BE49-F238E27FC236}">
+                <a16:creationId xmlns:a16="http://schemas.microsoft.com/office/drawing/2014/main" id="{96492955-46D7-2C4E-F1A9-DEFAF428D73A}"/>
+              </a:ext>
+            </a:extLst>
+          </p:cNvPr>
+          <p:cNvCxnSpPr>
+            <a:stCxn id="8" idx="3"/>
+            <a:endCxn id="19" idx="1"/>
+          </p:cNvCxnSpPr>
+          <p:nvPr/>
+        </p:nvCxnSpPr>
+        <p:spPr>
+          <a:xfrm>
+            <a:off x="5004832" y="3780054"/>
+            <a:ext cx="2359228" cy="2246954"/>
+          </a:xfrm>
+          <a:prstGeom prst="bentConnector3">
+            <a:avLst/>
+          </a:prstGeom>
+          <a:ln>
+            <a:solidFill>
+              <a:srgbClr val="FF0000"/>
+            </a:solidFill>
+            <a:tailEnd type="triangle"/>
+          </a:ln>
+        </p:spPr>
+        <p:style>
+          <a:lnRef idx="2">
+            <a:schemeClr val="accent1"/>
+          </a:lnRef>
+          <a:fillRef idx="0">
+            <a:schemeClr val="accent1"/>
+          </a:fillRef>
+          <a:effectRef idx="1">
+            <a:schemeClr val="accent1"/>
+          </a:effectRef>
+          <a:fontRef idx="minor">
+            <a:schemeClr val="tx1"/>
+          </a:fontRef>
+        </p:style>
+      </p:cxnSp>
+      <p:sp>
+        <p:nvSpPr>
+          <p:cNvPr id="29" name="사각형: 둥근 모서리 28">
+            <a:extLst>
+              <a:ext uri="{FF2B5EF4-FFF2-40B4-BE49-F238E27FC236}">
+                <a16:creationId xmlns:a16="http://schemas.microsoft.com/office/drawing/2014/main" id="{D6726937-F441-8D41-5378-E7E1AB0CFA12}"/>
+              </a:ext>
+            </a:extLst>
+          </p:cNvPr>
+          <p:cNvSpPr/>
+          <p:nvPr/>
+        </p:nvSpPr>
+        <p:spPr>
+          <a:xfrm>
+            <a:off x="3878864" y="5638071"/>
+            <a:ext cx="1117600" cy="544946"/>
+          </a:xfrm>
+          <a:prstGeom prst="roundRect">
+            <a:avLst/>
+          </a:prstGeom>
+          <a:noFill/>
+          <a:ln>
+            <a:solidFill>
+              <a:schemeClr val="tx1"/>
+            </a:solidFill>
+          </a:ln>
+        </p:spPr>
+        <p:style>
+          <a:lnRef idx="2">
+            <a:schemeClr val="accent1">
+              <a:shade val="15000"/>
+            </a:schemeClr>
+          </a:lnRef>
+          <a:fillRef idx="1">
+            <a:schemeClr val="accent1"/>
+          </a:fillRef>
+          <a:effectRef idx="0">
+            <a:schemeClr val="accent1"/>
+          </a:effectRef>
+          <a:fontRef idx="minor">
+            <a:schemeClr val="lt1"/>
+          </a:fontRef>
+        </p:style>
+        <p:txBody>
+          <a:bodyPr rtlCol="0" anchor="ctr"/>
+          <a:lstStyle/>
+          <a:p>
+            <a:pPr algn="ctr"/>
+            <a:r>
+              <a:rPr lang="en-US" altLang="ko-KR" dirty="0">
+                <a:solidFill>
+                  <a:schemeClr val="tx1"/>
+                </a:solidFill>
+              </a:rPr>
+              <a:t>ROI</a:t>
+            </a:r>
+            <a:endParaRPr lang="ko-KR" altLang="en-US" dirty="0">
+              <a:solidFill>
+                <a:schemeClr val="tx1"/>
+              </a:solidFill>
+            </a:endParaRPr>
+          </a:p>
+        </p:txBody>
+      </p:sp>
+      <p:cxnSp>
+        <p:nvCxnSpPr>
+          <p:cNvPr id="41" name="연결선: 꺾임 40">
+            <a:extLst>
+              <a:ext uri="{FF2B5EF4-FFF2-40B4-BE49-F238E27FC236}">
+                <a16:creationId xmlns:a16="http://schemas.microsoft.com/office/drawing/2014/main" id="{0109324C-0C43-B724-A9B4-C1840FF259F1}"/>
+              </a:ext>
+            </a:extLst>
+          </p:cNvPr>
+          <p:cNvCxnSpPr>
+            <a:stCxn id="8" idx="3"/>
+            <a:endCxn id="16" idx="1"/>
+          </p:cNvCxnSpPr>
+          <p:nvPr/>
+        </p:nvCxnSpPr>
+        <p:spPr>
+          <a:xfrm>
+            <a:off x="5004832" y="3780054"/>
+            <a:ext cx="2359228" cy="445338"/>
+          </a:xfrm>
+          <a:prstGeom prst="bentConnector3">
+            <a:avLst/>
+          </a:prstGeom>
+          <a:ln>
+            <a:solidFill>
+              <a:srgbClr val="FF0000"/>
+            </a:solidFill>
+            <a:tailEnd type="triangle"/>
+          </a:ln>
+        </p:spPr>
+        <p:style>
+          <a:lnRef idx="2">
+            <a:schemeClr val="dk1"/>
+          </a:lnRef>
+          <a:fillRef idx="0">
+            <a:schemeClr val="dk1"/>
+          </a:fillRef>
+          <a:effectRef idx="1">
+            <a:schemeClr val="dk1"/>
+          </a:effectRef>
+          <a:fontRef idx="minor">
+            <a:schemeClr val="tx1"/>
+          </a:fontRef>
+        </p:style>
+      </p:cxnSp>
+      <p:cxnSp>
+        <p:nvCxnSpPr>
+          <p:cNvPr id="44" name="직선 화살표 연결선 43">
+            <a:extLst>
+              <a:ext uri="{FF2B5EF4-FFF2-40B4-BE49-F238E27FC236}">
+                <a16:creationId xmlns:a16="http://schemas.microsoft.com/office/drawing/2014/main" id="{D2C4198F-8F19-423D-BE51-3ABF2A4ABC3D}"/>
+              </a:ext>
+            </a:extLst>
+          </p:cNvPr>
+          <p:cNvCxnSpPr>
+            <a:stCxn id="5" idx="3"/>
+            <a:endCxn id="29" idx="1"/>
+          </p:cNvCxnSpPr>
+          <p:nvPr/>
+        </p:nvCxnSpPr>
+        <p:spPr>
+          <a:xfrm>
+            <a:off x="2118562" y="5910544"/>
+            <a:ext cx="1760302" cy="0"/>
+          </a:xfrm>
+          <a:prstGeom prst="straightConnector1">
+            <a:avLst/>
+          </a:prstGeom>
+          <a:ln>
+            <a:solidFill>
+              <a:srgbClr val="002060"/>
+            </a:solidFill>
+            <a:tailEnd type="triangle"/>
+          </a:ln>
+        </p:spPr>
+        <p:style>
+          <a:lnRef idx="2">
+            <a:schemeClr val="dk1"/>
+          </a:lnRef>
+          <a:fillRef idx="0">
+            <a:schemeClr val="dk1"/>
+          </a:fillRef>
+          <a:effectRef idx="1">
+            <a:schemeClr val="dk1"/>
+          </a:effectRef>
+          <a:fontRef idx="minor">
+            <a:schemeClr val="tx1"/>
+          </a:fontRef>
+        </p:style>
+      </p:cxnSp>
+      <p:sp>
+        <p:nvSpPr>
+          <p:cNvPr id="54" name="사각형: 둥근 모서리 53">
+            <a:extLst>
+              <a:ext uri="{FF2B5EF4-FFF2-40B4-BE49-F238E27FC236}">
+                <a16:creationId xmlns:a16="http://schemas.microsoft.com/office/drawing/2014/main" id="{60866374-CEE9-799E-3193-99FD19B3F0F2}"/>
+              </a:ext>
+            </a:extLst>
+          </p:cNvPr>
+          <p:cNvSpPr/>
+          <p:nvPr/>
+        </p:nvSpPr>
+        <p:spPr>
+          <a:xfrm>
+            <a:off x="9739950" y="2717051"/>
+            <a:ext cx="1117600" cy="544946"/>
+          </a:xfrm>
+          <a:prstGeom prst="roundRect">
+            <a:avLst/>
+          </a:prstGeom>
+          <a:noFill/>
+          <a:ln>
+            <a:solidFill>
+              <a:schemeClr val="tx1"/>
+            </a:solidFill>
+          </a:ln>
+        </p:spPr>
+        <p:style>
+          <a:lnRef idx="2">
+            <a:schemeClr val="accent1">
+              <a:shade val="15000"/>
+            </a:schemeClr>
+          </a:lnRef>
+          <a:fillRef idx="1">
+            <a:schemeClr val="accent1"/>
+          </a:fillRef>
+          <a:effectRef idx="0">
+            <a:schemeClr val="accent1"/>
+          </a:effectRef>
+          <a:fontRef idx="minor">
+            <a:schemeClr val="lt1"/>
+          </a:fontRef>
+        </p:style>
+        <p:txBody>
+          <a:bodyPr rtlCol="0" anchor="ctr"/>
+          <a:lstStyle/>
+          <a:p>
+            <a:pPr algn="ctr"/>
+            <a:r>
+              <a:rPr lang="ko-KR" altLang="en-US" dirty="0">
+                <a:solidFill>
+                  <a:schemeClr val="tx1"/>
+                </a:solidFill>
+              </a:rPr>
+              <a:t>유지</a:t>
+            </a:r>
+          </a:p>
+        </p:txBody>
+      </p:sp>
+      <p:sp>
+        <p:nvSpPr>
+          <p:cNvPr id="57" name="사각형: 둥근 모서리 56">
+            <a:extLst>
+              <a:ext uri="{FF2B5EF4-FFF2-40B4-BE49-F238E27FC236}">
+                <a16:creationId xmlns:a16="http://schemas.microsoft.com/office/drawing/2014/main" id="{159CD446-4414-B73D-639D-CB1D0D20FA3D}"/>
+              </a:ext>
+            </a:extLst>
+          </p:cNvPr>
+          <p:cNvSpPr/>
+          <p:nvPr/>
+        </p:nvSpPr>
+        <p:spPr>
+          <a:xfrm>
+            <a:off x="9739950" y="5342861"/>
+            <a:ext cx="1117600" cy="544946"/>
+          </a:xfrm>
+          <a:prstGeom prst="roundRect">
+            <a:avLst/>
+          </a:prstGeom>
+          <a:noFill/>
+          <a:ln>
+            <a:solidFill>
+              <a:schemeClr val="tx1"/>
+            </a:solidFill>
+          </a:ln>
+        </p:spPr>
+        <p:style>
+          <a:lnRef idx="2">
+            <a:schemeClr val="accent1">
+              <a:shade val="15000"/>
+            </a:schemeClr>
+          </a:lnRef>
+          <a:fillRef idx="1">
+            <a:schemeClr val="accent1"/>
+          </a:fillRef>
+          <a:effectRef idx="0">
+            <a:schemeClr val="accent1"/>
+          </a:effectRef>
+          <a:fontRef idx="minor">
+            <a:schemeClr val="lt1"/>
+          </a:fontRef>
+        </p:style>
+        <p:txBody>
+          <a:bodyPr rtlCol="0" anchor="ctr"/>
+          <a:lstStyle/>
+          <a:p>
+            <a:pPr algn="ctr"/>
+            <a:r>
+              <a:rPr lang="en-US" altLang="ko-KR" sz="1600" dirty="0">
+                <a:solidFill>
+                  <a:schemeClr val="tx1"/>
+                </a:solidFill>
+              </a:rPr>
+              <a:t>Increase TTC (+α)</a:t>
+            </a:r>
+            <a:endParaRPr lang="ko-KR" altLang="en-US" sz="1600" dirty="0">
+              <a:solidFill>
+                <a:schemeClr val="tx1"/>
+              </a:solidFill>
+            </a:endParaRPr>
+          </a:p>
+        </p:txBody>
+      </p:sp>
+      <p:cxnSp>
+        <p:nvCxnSpPr>
+          <p:cNvPr id="60" name="연결선: 꺾임 59">
+            <a:extLst>
+              <a:ext uri="{FF2B5EF4-FFF2-40B4-BE49-F238E27FC236}">
+                <a16:creationId xmlns:a16="http://schemas.microsoft.com/office/drawing/2014/main" id="{10707A77-6A44-22B8-4A91-3ED4E3BCB4C7}"/>
+              </a:ext>
+            </a:extLst>
+          </p:cNvPr>
+          <p:cNvCxnSpPr>
+            <a:stCxn id="16" idx="3"/>
+            <a:endCxn id="57" idx="1"/>
+          </p:cNvCxnSpPr>
+          <p:nvPr/>
+        </p:nvCxnSpPr>
+        <p:spPr>
+          <a:xfrm>
+            <a:off x="8481660" y="4225392"/>
+            <a:ext cx="1258290" cy="1389942"/>
+          </a:xfrm>
+          <a:prstGeom prst="bentConnector3">
+            <a:avLst/>
+          </a:prstGeom>
+          <a:ln>
+            <a:solidFill>
+              <a:srgbClr val="FF0000"/>
+            </a:solidFill>
+            <a:tailEnd type="triangle"/>
+          </a:ln>
+        </p:spPr>
+        <p:style>
+          <a:lnRef idx="2">
+            <a:schemeClr val="dk1"/>
+          </a:lnRef>
+          <a:fillRef idx="0">
+            <a:schemeClr val="dk1"/>
+          </a:fillRef>
+          <a:effectRef idx="1">
+            <a:schemeClr val="dk1"/>
+          </a:effectRef>
+          <a:fontRef idx="minor">
+            <a:schemeClr val="tx1"/>
+          </a:fontRef>
+        </p:style>
+      </p:cxnSp>
+      <p:cxnSp>
+        <p:nvCxnSpPr>
+          <p:cNvPr id="62" name="연결선: 꺾임 61">
+            <a:extLst>
+              <a:ext uri="{FF2B5EF4-FFF2-40B4-BE49-F238E27FC236}">
+                <a16:creationId xmlns:a16="http://schemas.microsoft.com/office/drawing/2014/main" id="{AAE68703-DA88-D047-9426-9E04513A0F0E}"/>
+              </a:ext>
+            </a:extLst>
+          </p:cNvPr>
+          <p:cNvCxnSpPr>
+            <a:stCxn id="19" idx="3"/>
+            <a:endCxn id="57" idx="1"/>
+          </p:cNvCxnSpPr>
+          <p:nvPr/>
+        </p:nvCxnSpPr>
+        <p:spPr>
+          <a:xfrm flipV="1">
+            <a:off x="8481660" y="5615334"/>
+            <a:ext cx="1258290" cy="411674"/>
+          </a:xfrm>
+          <a:prstGeom prst="bentConnector3">
+            <a:avLst/>
+          </a:prstGeom>
+          <a:ln>
+            <a:solidFill>
+              <a:srgbClr val="FF0000"/>
+            </a:solidFill>
+            <a:tailEnd type="triangle"/>
+          </a:ln>
+        </p:spPr>
+        <p:style>
+          <a:lnRef idx="2">
+            <a:schemeClr val="dk1"/>
+          </a:lnRef>
+          <a:fillRef idx="0">
+            <a:schemeClr val="dk1"/>
+          </a:fillRef>
+          <a:effectRef idx="1">
+            <a:schemeClr val="dk1"/>
+          </a:effectRef>
+          <a:fontRef idx="minor">
+            <a:schemeClr val="tx1"/>
+          </a:fontRef>
+        </p:style>
+      </p:cxnSp>
+      <p:sp>
+        <p:nvSpPr>
           <p:cNvPr id="2" name="제목 1">
             <a:extLst>
               <a:ext uri="{FF2B5EF4-FFF2-40B4-BE49-F238E27FC236}">
-                <a16:creationId xmlns:a16="http://schemas.microsoft.com/office/drawing/2014/main" id="{D2025F06-1C9E-92EC-4EBA-D59974CD8EFC}"/>
+                <a16:creationId xmlns:a16="http://schemas.microsoft.com/office/drawing/2014/main" id="{6787FEE5-F41D-F7CF-0B30-D8F2BB2A12DE}"/>
               </a:ext>
             </a:extLst>
           </p:cNvPr>
@@ -5027,14 +6741,19 @@
             <p:ph type="title"/>
           </p:nvPr>
         </p:nvSpPr>
-        <p:spPr/>
+        <p:spPr>
+          <a:xfrm>
+            <a:off x="838200" y="365125"/>
+            <a:ext cx="10515600" cy="1325563"/>
+          </a:xfrm>
+        </p:spPr>
         <p:txBody>
           <a:bodyPr/>
           <a:lstStyle/>
           <a:p>
             <a:r>
               <a:rPr lang="en-US" altLang="ko-KR" dirty="0"/>
-              <a:t>System Architecture - ADAS</a:t>
+              <a:t>System Architecture – Road Condition</a:t>
             </a:r>
             <a:endParaRPr lang="ko-KR" altLang="en-US" dirty="0"/>
           </a:p>
@@ -5042,33 +6761,1029 @@
       </p:sp>
       <p:sp>
         <p:nvSpPr>
-          <p:cNvPr id="3" name="내용 개체 틀 2">
-            <a:extLst>
-              <a:ext uri="{FF2B5EF4-FFF2-40B4-BE49-F238E27FC236}">
-                <a16:creationId xmlns:a16="http://schemas.microsoft.com/office/drawing/2014/main" id="{715108A1-2CFC-1BF4-841D-3BD9B274D341}"/>
-              </a:ext>
-            </a:extLst>
-          </p:cNvPr>
-          <p:cNvSpPr>
-            <a:spLocks noGrp="1"/>
-          </p:cNvSpPr>
-          <p:nvPr>
-            <p:ph idx="1"/>
-          </p:nvPr>
-        </p:nvSpPr>
-        <p:spPr/>
-        <p:txBody>
-          <a:bodyPr/>
-          <a:lstStyle/>
-          <a:p>
-            <a:endParaRPr lang="ko-KR" altLang="en-US"/>
+          <p:cNvPr id="3" name="직사각형 2">
+            <a:extLst>
+              <a:ext uri="{FF2B5EF4-FFF2-40B4-BE49-F238E27FC236}">
+                <a16:creationId xmlns:a16="http://schemas.microsoft.com/office/drawing/2014/main" id="{4CCDEB61-3651-67B6-13DF-AFF562A132FA}"/>
+              </a:ext>
+            </a:extLst>
+          </p:cNvPr>
+          <p:cNvSpPr/>
+          <p:nvPr/>
+        </p:nvSpPr>
+        <p:spPr>
+          <a:xfrm>
+            <a:off x="3294665" y="4306587"/>
+            <a:ext cx="2269263" cy="1271958"/>
+          </a:xfrm>
+          <a:prstGeom prst="rect">
+            <a:avLst/>
+          </a:prstGeom>
+          <a:noFill/>
+          <a:ln>
+            <a:solidFill>
+              <a:schemeClr val="tx1"/>
+            </a:solidFill>
+          </a:ln>
+        </p:spPr>
+        <p:style>
+          <a:lnRef idx="2">
+            <a:schemeClr val="accent1">
+              <a:shade val="15000"/>
+            </a:schemeClr>
+          </a:lnRef>
+          <a:fillRef idx="1">
+            <a:schemeClr val="accent1"/>
+          </a:fillRef>
+          <a:effectRef idx="0">
+            <a:schemeClr val="accent1"/>
+          </a:effectRef>
+          <a:fontRef idx="minor">
+            <a:schemeClr val="lt1"/>
+          </a:fontRef>
+        </p:style>
+        <p:txBody>
+          <a:bodyPr rtlCol="0" anchor="ctr"/>
+          <a:lstStyle/>
+          <a:p>
+            <a:pPr algn="ctr"/>
+            <a:r>
+              <a:rPr lang="ko-KR" altLang="en-US">
+                <a:solidFill>
+                  <a:schemeClr val="tx1"/>
+                </a:solidFill>
+              </a:rPr>
+              <a:t>사진</a:t>
+            </a:r>
+          </a:p>
+        </p:txBody>
+      </p:sp>
+      <p:sp>
+        <p:nvSpPr>
+          <p:cNvPr id="14" name="직사각형 13">
+            <a:extLst>
+              <a:ext uri="{FF2B5EF4-FFF2-40B4-BE49-F238E27FC236}">
+                <a16:creationId xmlns:a16="http://schemas.microsoft.com/office/drawing/2014/main" id="{6422022F-D611-A9A1-AC5B-7484ECE2EDDB}"/>
+              </a:ext>
+            </a:extLst>
+          </p:cNvPr>
+          <p:cNvSpPr/>
+          <p:nvPr/>
+        </p:nvSpPr>
+        <p:spPr>
+          <a:xfrm>
+            <a:off x="3311400" y="2166386"/>
+            <a:ext cx="2269263" cy="1271958"/>
+          </a:xfrm>
+          <a:prstGeom prst="rect">
+            <a:avLst/>
+          </a:prstGeom>
+          <a:noFill/>
+          <a:ln>
+            <a:solidFill>
+              <a:schemeClr val="tx1"/>
+            </a:solidFill>
+          </a:ln>
+        </p:spPr>
+        <p:style>
+          <a:lnRef idx="2">
+            <a:schemeClr val="accent1">
+              <a:shade val="15000"/>
+            </a:schemeClr>
+          </a:lnRef>
+          <a:fillRef idx="1">
+            <a:schemeClr val="accent1"/>
+          </a:fillRef>
+          <a:effectRef idx="0">
+            <a:schemeClr val="accent1"/>
+          </a:effectRef>
+          <a:fontRef idx="minor">
+            <a:schemeClr val="lt1"/>
+          </a:fontRef>
+        </p:style>
+        <p:txBody>
+          <a:bodyPr rtlCol="0" anchor="ctr"/>
+          <a:lstStyle/>
+          <a:p>
+            <a:pPr algn="ctr"/>
+            <a:r>
+              <a:rPr lang="en-US" altLang="ko-KR" dirty="0">
+                <a:solidFill>
+                  <a:schemeClr val="tx1"/>
+                </a:solidFill>
+              </a:rPr>
+              <a:t>Slip </a:t>
+            </a:r>
+            <a:r>
+              <a:rPr lang="ko-KR" altLang="en-US" dirty="0">
+                <a:solidFill>
+                  <a:schemeClr val="tx1"/>
+                </a:solidFill>
+              </a:rPr>
+              <a:t>기준</a:t>
+            </a:r>
+          </a:p>
+        </p:txBody>
+      </p:sp>
+      <p:grpSp>
+        <p:nvGrpSpPr>
+          <p:cNvPr id="17" name="그룹 16">
+            <a:extLst>
+              <a:ext uri="{FF2B5EF4-FFF2-40B4-BE49-F238E27FC236}">
+                <a16:creationId xmlns:a16="http://schemas.microsoft.com/office/drawing/2014/main" id="{8A58ED93-EFCB-3BFB-7F5F-A10095731CE2}"/>
+              </a:ext>
+            </a:extLst>
+          </p:cNvPr>
+          <p:cNvGrpSpPr/>
+          <p:nvPr/>
+        </p:nvGrpSpPr>
+        <p:grpSpPr>
+          <a:xfrm>
+            <a:off x="10688687" y="-251244"/>
+            <a:ext cx="1503313" cy="973648"/>
+            <a:chOff x="4964939" y="5958322"/>
+            <a:chExt cx="1503313" cy="973648"/>
+          </a:xfrm>
+        </p:grpSpPr>
+        <p:pic>
+          <p:nvPicPr>
+            <p:cNvPr id="20" name="Picture 2" descr="What's New with Eclipse Cloud DevTools | Eclipse News, Eclipse in the News,  Eclipse Announcement">
+              <a:extLst>
+                <a:ext uri="{FF2B5EF4-FFF2-40B4-BE49-F238E27FC236}">
+                  <a16:creationId xmlns:a16="http://schemas.microsoft.com/office/drawing/2014/main" id="{3AD1B758-AFA7-EF7D-FB68-E4831668547A}"/>
+                </a:ext>
+              </a:extLst>
+            </p:cNvPr>
+            <p:cNvPicPr>
+              <a:picLocks noChangeAspect="1" noChangeArrowheads="1"/>
+            </p:cNvPicPr>
+            <p:nvPr/>
+          </p:nvPicPr>
+          <p:blipFill>
+            <a:blip r:embed="rId2">
+              <a:extLst>
+                <a:ext uri="{BEBA8EAE-BF5A-486C-A8C5-ECC9F3942E4B}">
+                  <a14:imgProps xmlns:a14="http://schemas.microsoft.com/office/drawing/2010/main">
+                    <a14:imgLayer r:embed="rId3">
+                      <a14:imgEffect>
+                        <a14:backgroundRemoval t="10000" b="90000" l="10000" r="90000">
+                          <a14:foregroundMark x1="30440" y1="52600" x2="30440" y2="52600"/>
+                          <a14:foregroundMark x1="22539" y1="45400" x2="22539" y2="45400"/>
+                          <a14:foregroundMark x1="23964" y1="55600" x2="23964" y2="55600"/>
+                          <a14:foregroundMark x1="19819" y1="57600" x2="19819" y2="57600"/>
+                          <a14:foregroundMark x1="41321" y1="58000" x2="41321" y2="58000"/>
+                          <a14:foregroundMark x1="49482" y1="54400" x2="49482" y2="54400"/>
+                          <a14:foregroundMark x1="59585" y1="54800" x2="59585" y2="54800"/>
+                          <a14:foregroundMark x1="70207" y1="55600" x2="70207" y2="55600"/>
+                          <a14:foregroundMark x1="80959" y1="55600" x2="80959" y2="55600"/>
+                        </a14:backgroundRemoval>
+                      </a14:imgEffect>
+                    </a14:imgLayer>
+                  </a14:imgProps>
+                </a:ext>
+                <a:ext uri="{28A0092B-C50C-407E-A947-70E740481C1C}">
+                  <a14:useLocalDpi xmlns:a14="http://schemas.microsoft.com/office/drawing/2010/main" val="0"/>
+                </a:ext>
+              </a:extLst>
+            </a:blip>
+            <a:srcRect/>
+            <a:stretch>
+              <a:fillRect/>
+            </a:stretch>
+          </p:blipFill>
+          <p:spPr bwMode="auto">
+            <a:xfrm>
+              <a:off x="4964939" y="5958322"/>
+              <a:ext cx="1503313" cy="973648"/>
+            </a:xfrm>
+            <a:prstGeom prst="rect">
+              <a:avLst/>
+            </a:prstGeom>
+            <a:noFill/>
+            <a:extLst>
+              <a:ext uri="{909E8E84-426E-40DD-AFC4-6F175D3DCCD1}">
+                <a14:hiddenFill xmlns:a14="http://schemas.microsoft.com/office/drawing/2010/main">
+                  <a:solidFill>
+                    <a:srgbClr val="FFFFFF"/>
+                  </a:solidFill>
+                </a14:hiddenFill>
+              </a:ext>
+            </a:extLst>
+          </p:spPr>
+        </p:pic>
+        <p:cxnSp>
+          <p:nvCxnSpPr>
+            <p:cNvPr id="22" name="직선 화살표 연결선 21">
+              <a:extLst>
+                <a:ext uri="{FF2B5EF4-FFF2-40B4-BE49-F238E27FC236}">
+                  <a16:creationId xmlns:a16="http://schemas.microsoft.com/office/drawing/2014/main" id="{E09009F7-EDFE-9D96-1D0C-F3966E2C6599}"/>
+                </a:ext>
+              </a:extLst>
+            </p:cNvPr>
+            <p:cNvCxnSpPr>
+              <a:cxnSpLocks/>
+            </p:cNvCxnSpPr>
+            <p:nvPr/>
+          </p:nvCxnSpPr>
+          <p:spPr>
+            <a:xfrm>
+              <a:off x="5210240" y="6733307"/>
+              <a:ext cx="1166338" cy="0"/>
+            </a:xfrm>
+            <a:prstGeom prst="straightConnector1">
+              <a:avLst/>
+            </a:prstGeom>
+            <a:ln>
+              <a:solidFill>
+                <a:srgbClr val="002060"/>
+              </a:solidFill>
+              <a:tailEnd type="triangle"/>
+            </a:ln>
+          </p:spPr>
+          <p:style>
+            <a:lnRef idx="2">
+              <a:schemeClr val="accent1"/>
+            </a:lnRef>
+            <a:fillRef idx="0">
+              <a:schemeClr val="accent1"/>
+            </a:fillRef>
+            <a:effectRef idx="1">
+              <a:schemeClr val="accent1"/>
+            </a:effectRef>
+            <a:fontRef idx="minor">
+              <a:schemeClr val="tx1"/>
+            </a:fontRef>
+          </p:style>
+        </p:cxnSp>
+      </p:grpSp>
+      <p:grpSp>
+        <p:nvGrpSpPr>
+          <p:cNvPr id="24" name="그룹 23">
+            <a:extLst>
+              <a:ext uri="{FF2B5EF4-FFF2-40B4-BE49-F238E27FC236}">
+                <a16:creationId xmlns:a16="http://schemas.microsoft.com/office/drawing/2014/main" id="{90167392-4E9F-861A-41F5-B9332E277575}"/>
+              </a:ext>
+            </a:extLst>
+          </p:cNvPr>
+          <p:cNvGrpSpPr/>
+          <p:nvPr/>
+        </p:nvGrpSpPr>
+        <p:grpSpPr>
+          <a:xfrm>
+            <a:off x="10933988" y="692942"/>
+            <a:ext cx="1166338" cy="460943"/>
+            <a:chOff x="6832206" y="6272364"/>
+            <a:chExt cx="1166338" cy="460943"/>
+          </a:xfrm>
+        </p:grpSpPr>
+        <p:cxnSp>
+          <p:nvCxnSpPr>
+            <p:cNvPr id="25" name="직선 화살표 연결선 24">
+              <a:extLst>
+                <a:ext uri="{FF2B5EF4-FFF2-40B4-BE49-F238E27FC236}">
+                  <a16:creationId xmlns:a16="http://schemas.microsoft.com/office/drawing/2014/main" id="{87BB8145-14FD-6DBD-1FA3-8DC7D0E33DFC}"/>
+                </a:ext>
+              </a:extLst>
+            </p:cNvPr>
+            <p:cNvCxnSpPr>
+              <a:cxnSpLocks/>
+            </p:cNvCxnSpPr>
+            <p:nvPr/>
+          </p:nvCxnSpPr>
+          <p:spPr>
+            <a:xfrm>
+              <a:off x="6832206" y="6733307"/>
+              <a:ext cx="1166338" cy="0"/>
+            </a:xfrm>
+            <a:prstGeom prst="straightConnector1">
+              <a:avLst/>
+            </a:prstGeom>
+            <a:ln>
+              <a:solidFill>
+                <a:srgbClr val="FF0000"/>
+              </a:solidFill>
+              <a:tailEnd type="triangle"/>
+            </a:ln>
+          </p:spPr>
+          <p:style>
+            <a:lnRef idx="2">
+              <a:schemeClr val="accent1"/>
+            </a:lnRef>
+            <a:fillRef idx="0">
+              <a:schemeClr val="accent1"/>
+            </a:fillRef>
+            <a:effectRef idx="1">
+              <a:schemeClr val="accent1"/>
+            </a:effectRef>
+            <a:fontRef idx="minor">
+              <a:schemeClr val="tx1"/>
+            </a:fontRef>
+          </p:style>
+        </p:cxnSp>
+        <p:pic>
+          <p:nvPicPr>
+            <p:cNvPr id="26" name="Picture 4" descr="kuksa-client · PyPI">
+              <a:extLst>
+                <a:ext uri="{FF2B5EF4-FFF2-40B4-BE49-F238E27FC236}">
+                  <a16:creationId xmlns:a16="http://schemas.microsoft.com/office/drawing/2014/main" id="{BED020C6-D09C-31C1-00DE-AA25C42323C4}"/>
+                </a:ext>
+              </a:extLst>
+            </p:cNvPr>
+            <p:cNvPicPr>
+              <a:picLocks noChangeAspect="1" noChangeArrowheads="1"/>
+            </p:cNvPicPr>
+            <p:nvPr/>
+          </p:nvPicPr>
+          <p:blipFill>
+            <a:blip r:embed="rId4">
+              <a:extLst>
+                <a:ext uri="{28A0092B-C50C-407E-A947-70E740481C1C}">
+                  <a14:useLocalDpi xmlns:a14="http://schemas.microsoft.com/office/drawing/2010/main" val="0"/>
+                </a:ext>
+              </a:extLst>
+            </a:blip>
+            <a:srcRect/>
+            <a:stretch>
+              <a:fillRect/>
+            </a:stretch>
+          </p:blipFill>
+          <p:spPr bwMode="auto">
+            <a:xfrm>
+              <a:off x="6902474" y="6272364"/>
+              <a:ext cx="1025802" cy="386812"/>
+            </a:xfrm>
+            <a:prstGeom prst="rect">
+              <a:avLst/>
+            </a:prstGeom>
+            <a:noFill/>
+            <a:extLst>
+              <a:ext uri="{909E8E84-426E-40DD-AFC4-6F175D3DCCD1}">
+                <a14:hiddenFill xmlns:a14="http://schemas.microsoft.com/office/drawing/2010/main">
+                  <a:solidFill>
+                    <a:srgbClr val="FFFFFF"/>
+                  </a:solidFill>
+                </a14:hiddenFill>
+              </a:ext>
+            </a:extLst>
+          </p:spPr>
+        </p:pic>
+      </p:grpSp>
+      <p:sp>
+        <p:nvSpPr>
+          <p:cNvPr id="27" name="사각형: 둥근 모서리 26">
+            <a:extLst>
+              <a:ext uri="{FF2B5EF4-FFF2-40B4-BE49-F238E27FC236}">
+                <a16:creationId xmlns:a16="http://schemas.microsoft.com/office/drawing/2014/main" id="{A6C6242F-6922-B24D-3CAD-B1A6ED15AC89}"/>
+              </a:ext>
+            </a:extLst>
+          </p:cNvPr>
+          <p:cNvSpPr/>
+          <p:nvPr/>
+        </p:nvSpPr>
+        <p:spPr>
+          <a:xfrm>
+            <a:off x="775035" y="2491321"/>
+            <a:ext cx="1562100" cy="3825551"/>
+          </a:xfrm>
+          <a:prstGeom prst="roundRect">
+            <a:avLst/>
+          </a:prstGeom>
+          <a:noFill/>
+          <a:ln>
+            <a:solidFill>
+              <a:srgbClr val="00B0F0"/>
+            </a:solidFill>
+          </a:ln>
+        </p:spPr>
+        <p:style>
+          <a:lnRef idx="0">
+            <a:scrgbClr r="0" g="0" b="0"/>
+          </a:lnRef>
+          <a:fillRef idx="0">
+            <a:scrgbClr r="0" g="0" b="0"/>
+          </a:fillRef>
+          <a:effectRef idx="0">
+            <a:scrgbClr r="0" g="0" b="0"/>
+          </a:effectRef>
+          <a:fontRef idx="minor">
+            <a:schemeClr val="lt1"/>
+          </a:fontRef>
+        </p:style>
+        <p:txBody>
+          <a:bodyPr rtlCol="0" anchor="ctr"/>
+          <a:lstStyle/>
+          <a:p>
+            <a:pPr algn="ctr"/>
+            <a:endParaRPr lang="ko-KR" altLang="en-US" b="1" dirty="0">
+              <a:solidFill>
+                <a:schemeClr val="tx1"/>
+              </a:solidFill>
+            </a:endParaRPr>
+          </a:p>
+        </p:txBody>
+      </p:sp>
+      <p:sp>
+        <p:nvSpPr>
+          <p:cNvPr id="28" name="사각형: 둥근 모서리 27">
+            <a:extLst>
+              <a:ext uri="{FF2B5EF4-FFF2-40B4-BE49-F238E27FC236}">
+                <a16:creationId xmlns:a16="http://schemas.microsoft.com/office/drawing/2014/main" id="{10D3B5C2-1410-E594-0A26-E5BDE3C5E97D}"/>
+              </a:ext>
+            </a:extLst>
+          </p:cNvPr>
+          <p:cNvSpPr/>
+          <p:nvPr/>
+        </p:nvSpPr>
+        <p:spPr>
+          <a:xfrm>
+            <a:off x="3103573" y="1913285"/>
+            <a:ext cx="2651446" cy="4403587"/>
+          </a:xfrm>
+          <a:prstGeom prst="roundRect">
+            <a:avLst/>
+          </a:prstGeom>
+          <a:noFill/>
+          <a:ln>
+            <a:solidFill>
+              <a:schemeClr val="accent2"/>
+            </a:solidFill>
+          </a:ln>
+        </p:spPr>
+        <p:style>
+          <a:lnRef idx="0">
+            <a:scrgbClr r="0" g="0" b="0"/>
+          </a:lnRef>
+          <a:fillRef idx="0">
+            <a:scrgbClr r="0" g="0" b="0"/>
+          </a:fillRef>
+          <a:effectRef idx="0">
+            <a:scrgbClr r="0" g="0" b="0"/>
+          </a:effectRef>
+          <a:fontRef idx="minor">
+            <a:schemeClr val="lt1"/>
+          </a:fontRef>
+        </p:style>
+        <p:txBody>
+          <a:bodyPr rtlCol="0" anchor="ctr"/>
+          <a:lstStyle/>
+          <a:p>
+            <a:pPr algn="ctr"/>
+            <a:endParaRPr lang="ko-KR" altLang="en-US" dirty="0">
+              <a:solidFill>
+                <a:schemeClr val="tx1"/>
+              </a:solidFill>
+            </a:endParaRPr>
+          </a:p>
+        </p:txBody>
+      </p:sp>
+      <p:sp>
+        <p:nvSpPr>
+          <p:cNvPr id="30" name="사각형: 둥근 모서리 29">
+            <a:extLst>
+              <a:ext uri="{FF2B5EF4-FFF2-40B4-BE49-F238E27FC236}">
+                <a16:creationId xmlns:a16="http://schemas.microsoft.com/office/drawing/2014/main" id="{2D728144-E0DE-CE8A-B7DB-F95188B2F5DD}"/>
+              </a:ext>
+            </a:extLst>
+          </p:cNvPr>
+          <p:cNvSpPr/>
+          <p:nvPr/>
+        </p:nvSpPr>
+        <p:spPr>
+          <a:xfrm>
+            <a:off x="7162897" y="1913285"/>
+            <a:ext cx="1519926" cy="4617439"/>
+          </a:xfrm>
+          <a:prstGeom prst="roundRect">
+            <a:avLst/>
+          </a:prstGeom>
+          <a:noFill/>
+          <a:ln>
+            <a:solidFill>
+              <a:schemeClr val="accent6"/>
+            </a:solidFill>
+          </a:ln>
+        </p:spPr>
+        <p:style>
+          <a:lnRef idx="0">
+            <a:scrgbClr r="0" g="0" b="0"/>
+          </a:lnRef>
+          <a:fillRef idx="0">
+            <a:scrgbClr r="0" g="0" b="0"/>
+          </a:fillRef>
+          <a:effectRef idx="0">
+            <a:scrgbClr r="0" g="0" b="0"/>
+          </a:effectRef>
+          <a:fontRef idx="minor">
+            <a:schemeClr val="lt1"/>
+          </a:fontRef>
+        </p:style>
+        <p:txBody>
+          <a:bodyPr rtlCol="0" anchor="ctr"/>
+          <a:lstStyle/>
+          <a:p>
+            <a:pPr algn="ctr"/>
+            <a:endParaRPr lang="ko-KR" altLang="en-US" dirty="0">
+              <a:solidFill>
+                <a:schemeClr val="tx1"/>
+              </a:solidFill>
+            </a:endParaRPr>
+          </a:p>
+        </p:txBody>
+      </p:sp>
+      <p:sp>
+        <p:nvSpPr>
+          <p:cNvPr id="31" name="사각형: 둥근 모서리 30">
+            <a:extLst>
+              <a:ext uri="{FF2B5EF4-FFF2-40B4-BE49-F238E27FC236}">
+                <a16:creationId xmlns:a16="http://schemas.microsoft.com/office/drawing/2014/main" id="{16037EA3-7F26-7F82-8997-4F4FF965623E}"/>
+              </a:ext>
+            </a:extLst>
+          </p:cNvPr>
+          <p:cNvSpPr/>
+          <p:nvPr/>
+        </p:nvSpPr>
+        <p:spPr>
+          <a:xfrm>
+            <a:off x="9441535" y="1913285"/>
+            <a:ext cx="1714431" cy="4449413"/>
+          </a:xfrm>
+          <a:prstGeom prst="roundRect">
+            <a:avLst/>
+          </a:prstGeom>
+          <a:noFill/>
+          <a:ln>
+            <a:solidFill>
+              <a:schemeClr val="accent5"/>
+            </a:solidFill>
+          </a:ln>
+        </p:spPr>
+        <p:style>
+          <a:lnRef idx="0">
+            <a:scrgbClr r="0" g="0" b="0"/>
+          </a:lnRef>
+          <a:fillRef idx="0">
+            <a:scrgbClr r="0" g="0" b="0"/>
+          </a:fillRef>
+          <a:effectRef idx="0">
+            <a:scrgbClr r="0" g="0" b="0"/>
+          </a:effectRef>
+          <a:fontRef idx="minor">
+            <a:schemeClr val="lt1"/>
+          </a:fontRef>
+        </p:style>
+        <p:txBody>
+          <a:bodyPr rtlCol="0" anchor="ctr"/>
+          <a:lstStyle/>
+          <a:p>
+            <a:pPr algn="ctr"/>
+            <a:endParaRPr lang="ko-KR" altLang="en-US" dirty="0">
+              <a:solidFill>
+                <a:schemeClr val="tx1"/>
+              </a:solidFill>
+            </a:endParaRPr>
+          </a:p>
+        </p:txBody>
+      </p:sp>
+      <p:cxnSp>
+        <p:nvCxnSpPr>
+          <p:cNvPr id="45" name="연결선: 꺾임 44">
+            <a:extLst>
+              <a:ext uri="{FF2B5EF4-FFF2-40B4-BE49-F238E27FC236}">
+                <a16:creationId xmlns:a16="http://schemas.microsoft.com/office/drawing/2014/main" id="{E43A9AE4-B809-C472-325D-7CB0520CE977}"/>
+              </a:ext>
+            </a:extLst>
+          </p:cNvPr>
+          <p:cNvCxnSpPr>
+            <a:cxnSpLocks/>
+            <a:stCxn id="18" idx="3"/>
+            <a:endCxn id="54" idx="1"/>
+          </p:cNvCxnSpPr>
+          <p:nvPr/>
+        </p:nvCxnSpPr>
+        <p:spPr>
+          <a:xfrm>
+            <a:off x="8481660" y="2423776"/>
+            <a:ext cx="1258290" cy="565748"/>
+          </a:xfrm>
+          <a:prstGeom prst="bentConnector3">
+            <a:avLst/>
+          </a:prstGeom>
+          <a:ln>
+            <a:solidFill>
+              <a:srgbClr val="FF0000"/>
+            </a:solidFill>
+            <a:tailEnd type="triangle"/>
+          </a:ln>
+        </p:spPr>
+        <p:style>
+          <a:lnRef idx="2">
+            <a:schemeClr val="accent1"/>
+          </a:lnRef>
+          <a:fillRef idx="0">
+            <a:schemeClr val="accent1"/>
+          </a:fillRef>
+          <a:effectRef idx="1">
+            <a:schemeClr val="accent1"/>
+          </a:effectRef>
+          <a:fontRef idx="minor">
+            <a:schemeClr val="tx1"/>
+          </a:fontRef>
+        </p:style>
+      </p:cxnSp>
+      <p:cxnSp>
+        <p:nvCxnSpPr>
+          <p:cNvPr id="49" name="연결선: 꺾임 48">
+            <a:extLst>
+              <a:ext uri="{FF2B5EF4-FFF2-40B4-BE49-F238E27FC236}">
+                <a16:creationId xmlns:a16="http://schemas.microsoft.com/office/drawing/2014/main" id="{C07A5849-9C92-5F17-B21E-392BA359EB97}"/>
+              </a:ext>
+            </a:extLst>
+          </p:cNvPr>
+          <p:cNvCxnSpPr>
+            <a:cxnSpLocks/>
+            <a:stCxn id="3" idx="3"/>
+            <a:endCxn id="18" idx="1"/>
+          </p:cNvCxnSpPr>
+          <p:nvPr/>
+        </p:nvCxnSpPr>
+        <p:spPr>
+          <a:xfrm flipV="1">
+            <a:off x="5563928" y="2423776"/>
+            <a:ext cx="1800132" cy="2518790"/>
+          </a:xfrm>
+          <a:prstGeom prst="bentConnector3">
+            <a:avLst>
+              <a:gd name="adj1" fmla="val 34126"/>
+            </a:avLst>
+          </a:prstGeom>
+          <a:ln>
+            <a:solidFill>
+              <a:srgbClr val="FF0000"/>
+            </a:solidFill>
+            <a:tailEnd type="triangle"/>
+          </a:ln>
+        </p:spPr>
+        <p:style>
+          <a:lnRef idx="2">
+            <a:schemeClr val="accent1"/>
+          </a:lnRef>
+          <a:fillRef idx="0">
+            <a:schemeClr val="accent1"/>
+          </a:fillRef>
+          <a:effectRef idx="1">
+            <a:schemeClr val="accent1"/>
+          </a:effectRef>
+          <a:fontRef idx="minor">
+            <a:schemeClr val="tx1"/>
+          </a:fontRef>
+        </p:style>
+      </p:cxnSp>
+      <p:cxnSp>
+        <p:nvCxnSpPr>
+          <p:cNvPr id="55" name="연결선: 꺾임 54">
+            <a:extLst>
+              <a:ext uri="{FF2B5EF4-FFF2-40B4-BE49-F238E27FC236}">
+                <a16:creationId xmlns:a16="http://schemas.microsoft.com/office/drawing/2014/main" id="{7CA36189-6BC5-E191-1735-F69E015D7D0E}"/>
+              </a:ext>
+            </a:extLst>
+          </p:cNvPr>
+          <p:cNvCxnSpPr>
+            <a:stCxn id="3" idx="3"/>
+            <a:endCxn id="16" idx="1"/>
+          </p:cNvCxnSpPr>
+          <p:nvPr/>
+        </p:nvCxnSpPr>
+        <p:spPr>
+          <a:xfrm flipV="1">
+            <a:off x="5563928" y="4225392"/>
+            <a:ext cx="1800132" cy="717174"/>
+          </a:xfrm>
+          <a:prstGeom prst="bentConnector3">
+            <a:avLst>
+              <a:gd name="adj1" fmla="val 34126"/>
+            </a:avLst>
+          </a:prstGeom>
+          <a:ln>
+            <a:solidFill>
+              <a:srgbClr val="FF0000"/>
+            </a:solidFill>
+            <a:tailEnd type="triangle"/>
+          </a:ln>
+        </p:spPr>
+        <p:style>
+          <a:lnRef idx="2">
+            <a:schemeClr val="accent1"/>
+          </a:lnRef>
+          <a:fillRef idx="0">
+            <a:schemeClr val="accent1"/>
+          </a:fillRef>
+          <a:effectRef idx="1">
+            <a:schemeClr val="accent1"/>
+          </a:effectRef>
+          <a:fontRef idx="minor">
+            <a:schemeClr val="tx1"/>
+          </a:fontRef>
+        </p:style>
+      </p:cxnSp>
+      <p:cxnSp>
+        <p:nvCxnSpPr>
+          <p:cNvPr id="59" name="연결선: 꺾임 58">
+            <a:extLst>
+              <a:ext uri="{FF2B5EF4-FFF2-40B4-BE49-F238E27FC236}">
+                <a16:creationId xmlns:a16="http://schemas.microsoft.com/office/drawing/2014/main" id="{C1E00C3A-964E-EE04-61AA-A09D2DA37833}"/>
+              </a:ext>
+            </a:extLst>
+          </p:cNvPr>
+          <p:cNvCxnSpPr>
+            <a:stCxn id="3" idx="3"/>
+            <a:endCxn id="19" idx="1"/>
+          </p:cNvCxnSpPr>
+          <p:nvPr/>
+        </p:nvCxnSpPr>
+        <p:spPr>
+          <a:xfrm>
+            <a:off x="5563928" y="4942566"/>
+            <a:ext cx="1800132" cy="1084442"/>
+          </a:xfrm>
+          <a:prstGeom prst="bentConnector3">
+            <a:avLst>
+              <a:gd name="adj1" fmla="val 34126"/>
+            </a:avLst>
+          </a:prstGeom>
+          <a:ln>
+            <a:solidFill>
+              <a:srgbClr val="FF0000"/>
+            </a:solidFill>
+            <a:tailEnd type="triangle"/>
+          </a:ln>
+        </p:spPr>
+        <p:style>
+          <a:lnRef idx="2">
+            <a:schemeClr val="accent1"/>
+          </a:lnRef>
+          <a:fillRef idx="0">
+            <a:schemeClr val="accent1"/>
+          </a:fillRef>
+          <a:effectRef idx="1">
+            <a:schemeClr val="accent1"/>
+          </a:effectRef>
+          <a:fontRef idx="minor">
+            <a:schemeClr val="tx1"/>
+          </a:fontRef>
+        </p:style>
+      </p:cxnSp>
+      <p:sp>
+        <p:nvSpPr>
+          <p:cNvPr id="65" name="직사각형 64">
+            <a:extLst>
+              <a:ext uri="{FF2B5EF4-FFF2-40B4-BE49-F238E27FC236}">
+                <a16:creationId xmlns:a16="http://schemas.microsoft.com/office/drawing/2014/main" id="{5F9FDF9B-2AA3-1407-817F-777DBE177D57}"/>
+              </a:ext>
+            </a:extLst>
+          </p:cNvPr>
+          <p:cNvSpPr/>
+          <p:nvPr/>
+        </p:nvSpPr>
+        <p:spPr>
+          <a:xfrm>
+            <a:off x="777318" y="2127426"/>
+            <a:ext cx="1567543" cy="363894"/>
+          </a:xfrm>
+          <a:prstGeom prst="rect">
+            <a:avLst/>
+          </a:prstGeom>
+          <a:noFill/>
+          <a:ln>
+            <a:noFill/>
+          </a:ln>
+        </p:spPr>
+        <p:style>
+          <a:lnRef idx="2">
+            <a:schemeClr val="accent1">
+              <a:shade val="15000"/>
+            </a:schemeClr>
+          </a:lnRef>
+          <a:fillRef idx="1">
+            <a:schemeClr val="accent1"/>
+          </a:fillRef>
+          <a:effectRef idx="0">
+            <a:schemeClr val="accent1"/>
+          </a:effectRef>
+          <a:fontRef idx="minor">
+            <a:schemeClr val="lt1"/>
+          </a:fontRef>
+        </p:style>
+        <p:txBody>
+          <a:bodyPr rtlCol="0" anchor="ctr"/>
+          <a:lstStyle/>
+          <a:p>
+            <a:pPr algn="ctr"/>
+            <a:r>
+              <a:rPr lang="en-US" altLang="ko-KR" dirty="0">
+                <a:solidFill>
+                  <a:schemeClr val="accent4"/>
+                </a:solidFill>
+              </a:rPr>
+              <a:t>Sensor</a:t>
+            </a:r>
+            <a:endParaRPr lang="ko-KR" altLang="en-US" dirty="0">
+              <a:solidFill>
+                <a:schemeClr val="accent4"/>
+              </a:solidFill>
+            </a:endParaRPr>
+          </a:p>
+        </p:txBody>
+      </p:sp>
+      <p:sp>
+        <p:nvSpPr>
+          <p:cNvPr id="66" name="직사각형 65">
+            <a:extLst>
+              <a:ext uri="{FF2B5EF4-FFF2-40B4-BE49-F238E27FC236}">
+                <a16:creationId xmlns:a16="http://schemas.microsoft.com/office/drawing/2014/main" id="{5884C51A-5FE9-2BF8-9802-42813DB83BD6}"/>
+              </a:ext>
+            </a:extLst>
+          </p:cNvPr>
+          <p:cNvSpPr/>
+          <p:nvPr/>
+        </p:nvSpPr>
+        <p:spPr>
+          <a:xfrm>
+            <a:off x="3645524" y="1550869"/>
+            <a:ext cx="1567543" cy="363894"/>
+          </a:xfrm>
+          <a:prstGeom prst="rect">
+            <a:avLst/>
+          </a:prstGeom>
+          <a:noFill/>
+          <a:ln>
+            <a:noFill/>
+          </a:ln>
+        </p:spPr>
+        <p:style>
+          <a:lnRef idx="2">
+            <a:schemeClr val="accent1">
+              <a:shade val="15000"/>
+            </a:schemeClr>
+          </a:lnRef>
+          <a:fillRef idx="1">
+            <a:schemeClr val="accent1"/>
+          </a:fillRef>
+          <a:effectRef idx="0">
+            <a:schemeClr val="accent1"/>
+          </a:effectRef>
+          <a:fontRef idx="minor">
+            <a:schemeClr val="lt1"/>
+          </a:fontRef>
+        </p:style>
+        <p:txBody>
+          <a:bodyPr rtlCol="0" anchor="ctr"/>
+          <a:lstStyle/>
+          <a:p>
+            <a:pPr algn="ctr"/>
+            <a:r>
+              <a:rPr lang="en-US" altLang="ko-KR" dirty="0">
+                <a:solidFill>
+                  <a:schemeClr val="accent2"/>
+                </a:solidFill>
+              </a:rPr>
+              <a:t>Perception</a:t>
+            </a:r>
+            <a:endParaRPr lang="ko-KR" altLang="en-US" dirty="0">
+              <a:solidFill>
+                <a:schemeClr val="accent2"/>
+              </a:solidFill>
+            </a:endParaRPr>
+          </a:p>
+        </p:txBody>
+      </p:sp>
+      <p:sp>
+        <p:nvSpPr>
+          <p:cNvPr id="67" name="직사각형 66">
+            <a:extLst>
+              <a:ext uri="{FF2B5EF4-FFF2-40B4-BE49-F238E27FC236}">
+                <a16:creationId xmlns:a16="http://schemas.microsoft.com/office/drawing/2014/main" id="{A2CA75F6-528E-AC32-984A-DC1A6DBB1FC7}"/>
+              </a:ext>
+            </a:extLst>
+          </p:cNvPr>
+          <p:cNvSpPr/>
+          <p:nvPr/>
+        </p:nvSpPr>
+        <p:spPr>
+          <a:xfrm>
+            <a:off x="7139088" y="1559764"/>
+            <a:ext cx="1567543" cy="363894"/>
+          </a:xfrm>
+          <a:prstGeom prst="rect">
+            <a:avLst/>
+          </a:prstGeom>
+          <a:noFill/>
+          <a:ln>
+            <a:noFill/>
+          </a:ln>
+        </p:spPr>
+        <p:style>
+          <a:lnRef idx="2">
+            <a:schemeClr val="accent1">
+              <a:shade val="15000"/>
+            </a:schemeClr>
+          </a:lnRef>
+          <a:fillRef idx="1">
+            <a:schemeClr val="accent1"/>
+          </a:fillRef>
+          <a:effectRef idx="0">
+            <a:schemeClr val="accent1"/>
+          </a:effectRef>
+          <a:fontRef idx="minor">
+            <a:schemeClr val="lt1"/>
+          </a:fontRef>
+        </p:style>
+        <p:txBody>
+          <a:bodyPr rtlCol="0" anchor="ctr"/>
+          <a:lstStyle/>
+          <a:p>
+            <a:pPr algn="ctr"/>
+            <a:r>
+              <a:rPr lang="en-US" altLang="ko-KR" dirty="0">
+                <a:solidFill>
+                  <a:schemeClr val="accent6"/>
+                </a:solidFill>
+              </a:rPr>
+              <a:t>Decision</a:t>
+            </a:r>
+            <a:endParaRPr lang="ko-KR" altLang="en-US" dirty="0">
+              <a:solidFill>
+                <a:schemeClr val="accent6"/>
+              </a:solidFill>
+            </a:endParaRPr>
+          </a:p>
+        </p:txBody>
+      </p:sp>
+      <p:sp>
+        <p:nvSpPr>
+          <p:cNvPr id="68" name="직사각형 67">
+            <a:extLst>
+              <a:ext uri="{FF2B5EF4-FFF2-40B4-BE49-F238E27FC236}">
+                <a16:creationId xmlns:a16="http://schemas.microsoft.com/office/drawing/2014/main" id="{68ECE503-4F24-EC8E-B044-789B7E48A344}"/>
+              </a:ext>
+            </a:extLst>
+          </p:cNvPr>
+          <p:cNvSpPr/>
+          <p:nvPr/>
+        </p:nvSpPr>
+        <p:spPr>
+          <a:xfrm>
+            <a:off x="9514978" y="1556166"/>
+            <a:ext cx="1567543" cy="363894"/>
+          </a:xfrm>
+          <a:prstGeom prst="rect">
+            <a:avLst/>
+          </a:prstGeom>
+          <a:noFill/>
+          <a:ln>
+            <a:noFill/>
+          </a:ln>
+        </p:spPr>
+        <p:style>
+          <a:lnRef idx="2">
+            <a:schemeClr val="accent1">
+              <a:shade val="15000"/>
+            </a:schemeClr>
+          </a:lnRef>
+          <a:fillRef idx="1">
+            <a:schemeClr val="accent1"/>
+          </a:fillRef>
+          <a:effectRef idx="0">
+            <a:schemeClr val="accent1"/>
+          </a:effectRef>
+          <a:fontRef idx="minor">
+            <a:schemeClr val="lt1"/>
+          </a:fontRef>
+        </p:style>
+        <p:txBody>
+          <a:bodyPr rtlCol="0" anchor="ctr"/>
+          <a:lstStyle/>
+          <a:p>
+            <a:pPr algn="ctr"/>
+            <a:r>
+              <a:rPr lang="en-US" altLang="ko-KR" dirty="0">
+                <a:solidFill>
+                  <a:schemeClr val="accent5"/>
+                </a:solidFill>
+              </a:rPr>
+              <a:t>Carla</a:t>
+            </a:r>
+            <a:endParaRPr lang="ko-KR" altLang="en-US" dirty="0">
+              <a:solidFill>
+                <a:schemeClr val="accent5"/>
+              </a:solidFill>
+            </a:endParaRPr>
           </a:p>
         </p:txBody>
       </p:sp>
     </p:spTree>
     <p:extLst>
       <p:ext uri="{BB962C8B-B14F-4D97-AF65-F5344CB8AC3E}">
-        <p14:creationId xmlns:p14="http://schemas.microsoft.com/office/powerpoint/2010/main" val="2621006696"/>
+        <p14:creationId xmlns:p14="http://schemas.microsoft.com/office/powerpoint/2010/main" val="273135603"/>
       </p:ext>
     </p:extLst>
   </p:cSld>
@@ -5097,10 +7812,1226 @@
       </p:grpSpPr>
       <p:sp>
         <p:nvSpPr>
-          <p:cNvPr id="2" name="제목 1">
-            <a:extLst>
-              <a:ext uri="{FF2B5EF4-FFF2-40B4-BE49-F238E27FC236}">
-                <a16:creationId xmlns:a16="http://schemas.microsoft.com/office/drawing/2014/main" id="{46805A6F-05CE-4244-3755-F9B6218D5031}"/>
+          <p:cNvPr id="4" name="사각형: 둥근 모서리 3">
+            <a:extLst>
+              <a:ext uri="{FF2B5EF4-FFF2-40B4-BE49-F238E27FC236}">
+                <a16:creationId xmlns:a16="http://schemas.microsoft.com/office/drawing/2014/main" id="{2F300923-33D5-866A-5B29-6B93B69B5FFE}"/>
+              </a:ext>
+            </a:extLst>
+          </p:cNvPr>
+          <p:cNvSpPr/>
+          <p:nvPr/>
+        </p:nvSpPr>
+        <p:spPr>
+          <a:xfrm>
+            <a:off x="1456024" y="3274510"/>
+            <a:ext cx="1117600" cy="544946"/>
+          </a:xfrm>
+          <a:prstGeom prst="roundRect">
+            <a:avLst/>
+          </a:prstGeom>
+          <a:noFill/>
+          <a:ln>
+            <a:solidFill>
+              <a:schemeClr val="tx1"/>
+            </a:solidFill>
+          </a:ln>
+        </p:spPr>
+        <p:style>
+          <a:lnRef idx="2">
+            <a:schemeClr val="accent1">
+              <a:shade val="15000"/>
+            </a:schemeClr>
+          </a:lnRef>
+          <a:fillRef idx="1">
+            <a:schemeClr val="accent1"/>
+          </a:fillRef>
+          <a:effectRef idx="0">
+            <a:schemeClr val="accent1"/>
+          </a:effectRef>
+          <a:fontRef idx="minor">
+            <a:schemeClr val="lt1"/>
+          </a:fontRef>
+        </p:style>
+        <p:txBody>
+          <a:bodyPr rtlCol="0" anchor="ctr"/>
+          <a:lstStyle/>
+          <a:p>
+            <a:pPr algn="ctr"/>
+            <a:r>
+              <a:rPr lang="en-US" altLang="ko-KR" dirty="0">
+                <a:solidFill>
+                  <a:schemeClr val="tx1"/>
+                </a:solidFill>
+              </a:rPr>
+              <a:t>Radar</a:t>
+            </a:r>
+            <a:endParaRPr lang="ko-KR" altLang="en-US" dirty="0">
+              <a:solidFill>
+                <a:schemeClr val="tx1"/>
+              </a:solidFill>
+            </a:endParaRPr>
+          </a:p>
+        </p:txBody>
+      </p:sp>
+      <p:sp>
+        <p:nvSpPr>
+          <p:cNvPr id="5" name="사각형: 둥근 모서리 4">
+            <a:extLst>
+              <a:ext uri="{FF2B5EF4-FFF2-40B4-BE49-F238E27FC236}">
+                <a16:creationId xmlns:a16="http://schemas.microsoft.com/office/drawing/2014/main" id="{E85F3477-66B0-18F1-56FB-54C4F9039C48}"/>
+              </a:ext>
+            </a:extLst>
+          </p:cNvPr>
+          <p:cNvSpPr/>
+          <p:nvPr/>
+        </p:nvSpPr>
+        <p:spPr>
+          <a:xfrm>
+            <a:off x="3998697" y="3274510"/>
+            <a:ext cx="1117600" cy="544946"/>
+          </a:xfrm>
+          <a:prstGeom prst="roundRect">
+            <a:avLst/>
+          </a:prstGeom>
+          <a:noFill/>
+          <a:ln>
+            <a:solidFill>
+              <a:schemeClr val="tx1"/>
+            </a:solidFill>
+          </a:ln>
+        </p:spPr>
+        <p:style>
+          <a:lnRef idx="2">
+            <a:schemeClr val="accent1">
+              <a:shade val="15000"/>
+            </a:schemeClr>
+          </a:lnRef>
+          <a:fillRef idx="1">
+            <a:schemeClr val="accent1"/>
+          </a:fillRef>
+          <a:effectRef idx="0">
+            <a:schemeClr val="accent1"/>
+          </a:effectRef>
+          <a:fontRef idx="minor">
+            <a:schemeClr val="lt1"/>
+          </a:fontRef>
+        </p:style>
+        <p:txBody>
+          <a:bodyPr rtlCol="0" anchor="ctr"/>
+          <a:lstStyle/>
+          <a:p>
+            <a:pPr algn="ctr"/>
+            <a:r>
+              <a:rPr lang="en-US" altLang="ko-KR" dirty="0">
+                <a:solidFill>
+                  <a:schemeClr val="tx1"/>
+                </a:solidFill>
+              </a:rPr>
+              <a:t>TTC</a:t>
+            </a:r>
+            <a:endParaRPr lang="ko-KR" altLang="en-US" dirty="0">
+              <a:solidFill>
+                <a:schemeClr val="tx1"/>
+              </a:solidFill>
+            </a:endParaRPr>
+          </a:p>
+        </p:txBody>
+      </p:sp>
+      <p:sp>
+        <p:nvSpPr>
+          <p:cNvPr id="6" name="사각형: 둥근 모서리 5">
+            <a:extLst>
+              <a:ext uri="{FF2B5EF4-FFF2-40B4-BE49-F238E27FC236}">
+                <a16:creationId xmlns:a16="http://schemas.microsoft.com/office/drawing/2014/main" id="{5EDD34F3-981E-8F0B-B5FE-75764A01DFA9}"/>
+              </a:ext>
+            </a:extLst>
+          </p:cNvPr>
+          <p:cNvSpPr/>
+          <p:nvPr/>
+        </p:nvSpPr>
+        <p:spPr>
+          <a:xfrm>
+            <a:off x="6541370" y="3274510"/>
+            <a:ext cx="1117600" cy="544946"/>
+          </a:xfrm>
+          <a:prstGeom prst="roundRect">
+            <a:avLst/>
+          </a:prstGeom>
+          <a:noFill/>
+          <a:ln>
+            <a:solidFill>
+              <a:schemeClr val="tx1"/>
+            </a:solidFill>
+          </a:ln>
+        </p:spPr>
+        <p:style>
+          <a:lnRef idx="2">
+            <a:schemeClr val="accent1">
+              <a:shade val="15000"/>
+            </a:schemeClr>
+          </a:lnRef>
+          <a:fillRef idx="1">
+            <a:schemeClr val="accent1"/>
+          </a:fillRef>
+          <a:effectRef idx="0">
+            <a:schemeClr val="accent1"/>
+          </a:effectRef>
+          <a:fontRef idx="minor">
+            <a:schemeClr val="lt1"/>
+          </a:fontRef>
+        </p:style>
+        <p:txBody>
+          <a:bodyPr rtlCol="0" anchor="ctr"/>
+          <a:lstStyle/>
+          <a:p>
+            <a:pPr algn="ctr"/>
+            <a:r>
+              <a:rPr lang="en-US" altLang="ko-KR" dirty="0">
+                <a:solidFill>
+                  <a:schemeClr val="tx1"/>
+                </a:solidFill>
+              </a:rPr>
+              <a:t>Follow</a:t>
+            </a:r>
+            <a:endParaRPr lang="ko-KR" altLang="en-US" dirty="0">
+              <a:solidFill>
+                <a:schemeClr val="tx1"/>
+              </a:solidFill>
+            </a:endParaRPr>
+          </a:p>
+        </p:txBody>
+      </p:sp>
+      <p:sp>
+        <p:nvSpPr>
+          <p:cNvPr id="7" name="사각형: 둥근 모서리 6">
+            <a:extLst>
+              <a:ext uri="{FF2B5EF4-FFF2-40B4-BE49-F238E27FC236}">
+                <a16:creationId xmlns:a16="http://schemas.microsoft.com/office/drawing/2014/main" id="{44C7A164-533B-9538-1972-ECF09CB52E3F}"/>
+              </a:ext>
+            </a:extLst>
+          </p:cNvPr>
+          <p:cNvSpPr/>
+          <p:nvPr/>
+        </p:nvSpPr>
+        <p:spPr>
+          <a:xfrm>
+            <a:off x="6541367" y="1925008"/>
+            <a:ext cx="1117600" cy="544946"/>
+          </a:xfrm>
+          <a:prstGeom prst="roundRect">
+            <a:avLst/>
+          </a:prstGeom>
+          <a:noFill/>
+          <a:ln>
+            <a:solidFill>
+              <a:schemeClr val="tx1"/>
+            </a:solidFill>
+          </a:ln>
+        </p:spPr>
+        <p:style>
+          <a:lnRef idx="2">
+            <a:schemeClr val="accent1">
+              <a:shade val="15000"/>
+            </a:schemeClr>
+          </a:lnRef>
+          <a:fillRef idx="1">
+            <a:schemeClr val="accent1"/>
+          </a:fillRef>
+          <a:effectRef idx="0">
+            <a:schemeClr val="accent1"/>
+          </a:effectRef>
+          <a:fontRef idx="minor">
+            <a:schemeClr val="lt1"/>
+          </a:fontRef>
+        </p:style>
+        <p:txBody>
+          <a:bodyPr rtlCol="0" anchor="ctr"/>
+          <a:lstStyle/>
+          <a:p>
+            <a:pPr algn="ctr"/>
+            <a:r>
+              <a:rPr lang="en-US" altLang="ko-KR" dirty="0">
+                <a:solidFill>
+                  <a:schemeClr val="tx1"/>
+                </a:solidFill>
+              </a:rPr>
+              <a:t>Cruise</a:t>
+            </a:r>
+            <a:endParaRPr lang="ko-KR" altLang="en-US" dirty="0">
+              <a:solidFill>
+                <a:schemeClr val="tx1"/>
+              </a:solidFill>
+            </a:endParaRPr>
+          </a:p>
+        </p:txBody>
+      </p:sp>
+      <p:sp>
+        <p:nvSpPr>
+          <p:cNvPr id="8" name="사각형: 둥근 모서리 7">
+            <a:extLst>
+              <a:ext uri="{FF2B5EF4-FFF2-40B4-BE49-F238E27FC236}">
+                <a16:creationId xmlns:a16="http://schemas.microsoft.com/office/drawing/2014/main" id="{1AA0FD5F-25A5-D461-BBD7-71523CE670F9}"/>
+              </a:ext>
+            </a:extLst>
+          </p:cNvPr>
+          <p:cNvSpPr/>
+          <p:nvPr/>
+        </p:nvSpPr>
+        <p:spPr>
+          <a:xfrm>
+            <a:off x="6541363" y="4624013"/>
+            <a:ext cx="1117600" cy="544946"/>
+          </a:xfrm>
+          <a:prstGeom prst="roundRect">
+            <a:avLst/>
+          </a:prstGeom>
+          <a:noFill/>
+          <a:ln>
+            <a:solidFill>
+              <a:schemeClr val="tx1"/>
+            </a:solidFill>
+          </a:ln>
+        </p:spPr>
+        <p:style>
+          <a:lnRef idx="2">
+            <a:schemeClr val="accent1">
+              <a:shade val="15000"/>
+            </a:schemeClr>
+          </a:lnRef>
+          <a:fillRef idx="1">
+            <a:schemeClr val="accent1"/>
+          </a:fillRef>
+          <a:effectRef idx="0">
+            <a:schemeClr val="accent1"/>
+          </a:effectRef>
+          <a:fontRef idx="minor">
+            <a:schemeClr val="lt1"/>
+          </a:fontRef>
+        </p:style>
+        <p:txBody>
+          <a:bodyPr rtlCol="0" anchor="ctr"/>
+          <a:lstStyle/>
+          <a:p>
+            <a:pPr algn="ctr"/>
+            <a:r>
+              <a:rPr lang="en-US" altLang="ko-KR" dirty="0">
+                <a:solidFill>
+                  <a:schemeClr val="tx1"/>
+                </a:solidFill>
+              </a:rPr>
+              <a:t>AEB</a:t>
+            </a:r>
+            <a:endParaRPr lang="ko-KR" altLang="en-US" dirty="0">
+              <a:solidFill>
+                <a:schemeClr val="tx1"/>
+              </a:solidFill>
+            </a:endParaRPr>
+          </a:p>
+        </p:txBody>
+      </p:sp>
+      <p:sp>
+        <p:nvSpPr>
+          <p:cNvPr id="9" name="사각형: 둥근 모서리 8">
+            <a:extLst>
+              <a:ext uri="{FF2B5EF4-FFF2-40B4-BE49-F238E27FC236}">
+                <a16:creationId xmlns:a16="http://schemas.microsoft.com/office/drawing/2014/main" id="{492B8C5B-483B-91B1-76C4-F81AFDD8892C}"/>
+              </a:ext>
+            </a:extLst>
+          </p:cNvPr>
+          <p:cNvSpPr/>
+          <p:nvPr/>
+        </p:nvSpPr>
+        <p:spPr>
+          <a:xfrm>
+            <a:off x="9084042" y="3274510"/>
+            <a:ext cx="1425071" cy="544946"/>
+          </a:xfrm>
+          <a:prstGeom prst="roundRect">
+            <a:avLst/>
+          </a:prstGeom>
+          <a:noFill/>
+          <a:ln>
+            <a:solidFill>
+              <a:schemeClr val="tx1"/>
+            </a:solidFill>
+          </a:ln>
+        </p:spPr>
+        <p:style>
+          <a:lnRef idx="2">
+            <a:schemeClr val="accent1">
+              <a:shade val="15000"/>
+            </a:schemeClr>
+          </a:lnRef>
+          <a:fillRef idx="1">
+            <a:schemeClr val="accent1"/>
+          </a:fillRef>
+          <a:effectRef idx="0">
+            <a:schemeClr val="accent1"/>
+          </a:effectRef>
+          <a:fontRef idx="minor">
+            <a:schemeClr val="lt1"/>
+          </a:fontRef>
+        </p:style>
+        <p:txBody>
+          <a:bodyPr rtlCol="0" anchor="ctr"/>
+          <a:lstStyle/>
+          <a:p>
+            <a:pPr algn="ctr"/>
+            <a:r>
+              <a:rPr lang="en-US" altLang="ko-KR" dirty="0">
+                <a:solidFill>
+                  <a:schemeClr val="tx1"/>
+                </a:solidFill>
+              </a:rPr>
+              <a:t>Rel Speed</a:t>
+            </a:r>
+            <a:endParaRPr lang="ko-KR" altLang="en-US" dirty="0">
+              <a:solidFill>
+                <a:schemeClr val="tx1"/>
+              </a:solidFill>
+            </a:endParaRPr>
+          </a:p>
+        </p:txBody>
+      </p:sp>
+      <p:sp>
+        <p:nvSpPr>
+          <p:cNvPr id="10" name="사각형: 둥근 모서리 9">
+            <a:extLst>
+              <a:ext uri="{FF2B5EF4-FFF2-40B4-BE49-F238E27FC236}">
+                <a16:creationId xmlns:a16="http://schemas.microsoft.com/office/drawing/2014/main" id="{4EA6D7E1-FF0E-36F1-D2EE-B475CA34384F}"/>
+              </a:ext>
+            </a:extLst>
+          </p:cNvPr>
+          <p:cNvSpPr/>
+          <p:nvPr/>
+        </p:nvSpPr>
+        <p:spPr>
+          <a:xfrm>
+            <a:off x="9084040" y="1925008"/>
+            <a:ext cx="1425072" cy="544946"/>
+          </a:xfrm>
+          <a:prstGeom prst="roundRect">
+            <a:avLst/>
+          </a:prstGeom>
+          <a:noFill/>
+          <a:ln>
+            <a:solidFill>
+              <a:schemeClr val="tx1"/>
+            </a:solidFill>
+          </a:ln>
+        </p:spPr>
+        <p:style>
+          <a:lnRef idx="2">
+            <a:schemeClr val="accent1">
+              <a:shade val="15000"/>
+            </a:schemeClr>
+          </a:lnRef>
+          <a:fillRef idx="1">
+            <a:schemeClr val="accent1"/>
+          </a:fillRef>
+          <a:effectRef idx="0">
+            <a:schemeClr val="accent1"/>
+          </a:effectRef>
+          <a:fontRef idx="minor">
+            <a:schemeClr val="lt1"/>
+          </a:fontRef>
+        </p:style>
+        <p:txBody>
+          <a:bodyPr rtlCol="0" anchor="ctr"/>
+          <a:lstStyle/>
+          <a:p>
+            <a:pPr algn="ctr"/>
+            <a:r>
+              <a:rPr lang="en-US" altLang="ko-KR" dirty="0">
+                <a:solidFill>
+                  <a:schemeClr val="tx1"/>
+                </a:solidFill>
+              </a:rPr>
+              <a:t>Set Speed</a:t>
+            </a:r>
+            <a:endParaRPr lang="ko-KR" altLang="en-US" dirty="0">
+              <a:solidFill>
+                <a:schemeClr val="tx1"/>
+              </a:solidFill>
+            </a:endParaRPr>
+          </a:p>
+        </p:txBody>
+      </p:sp>
+      <p:sp>
+        <p:nvSpPr>
+          <p:cNvPr id="11" name="사각형: 둥근 모서리 10">
+            <a:extLst>
+              <a:ext uri="{FF2B5EF4-FFF2-40B4-BE49-F238E27FC236}">
+                <a16:creationId xmlns:a16="http://schemas.microsoft.com/office/drawing/2014/main" id="{E43934C5-4224-2FB6-0C6B-76E536C69160}"/>
+              </a:ext>
+            </a:extLst>
+          </p:cNvPr>
+          <p:cNvSpPr/>
+          <p:nvPr/>
+        </p:nvSpPr>
+        <p:spPr>
+          <a:xfrm>
+            <a:off x="9084036" y="4624013"/>
+            <a:ext cx="1425070" cy="544946"/>
+          </a:xfrm>
+          <a:prstGeom prst="roundRect">
+            <a:avLst/>
+          </a:prstGeom>
+          <a:noFill/>
+          <a:ln>
+            <a:solidFill>
+              <a:schemeClr val="tx1"/>
+            </a:solidFill>
+          </a:ln>
+        </p:spPr>
+        <p:style>
+          <a:lnRef idx="2">
+            <a:schemeClr val="accent1">
+              <a:shade val="15000"/>
+            </a:schemeClr>
+          </a:lnRef>
+          <a:fillRef idx="1">
+            <a:schemeClr val="accent1"/>
+          </a:fillRef>
+          <a:effectRef idx="0">
+            <a:schemeClr val="accent1"/>
+          </a:effectRef>
+          <a:fontRef idx="minor">
+            <a:schemeClr val="lt1"/>
+          </a:fontRef>
+        </p:style>
+        <p:txBody>
+          <a:bodyPr rtlCol="0" anchor="ctr"/>
+          <a:lstStyle/>
+          <a:p>
+            <a:pPr algn="ctr"/>
+            <a:r>
+              <a:rPr lang="en-US" altLang="ko-KR" dirty="0">
+                <a:solidFill>
+                  <a:schemeClr val="tx1"/>
+                </a:solidFill>
+              </a:rPr>
+              <a:t>Full Brake</a:t>
+            </a:r>
+            <a:endParaRPr lang="ko-KR" altLang="en-US" dirty="0">
+              <a:solidFill>
+                <a:schemeClr val="tx1"/>
+              </a:solidFill>
+            </a:endParaRPr>
+          </a:p>
+        </p:txBody>
+      </p:sp>
+      <p:cxnSp>
+        <p:nvCxnSpPr>
+          <p:cNvPr id="13" name="직선 화살표 연결선 12">
+            <a:extLst>
+              <a:ext uri="{FF2B5EF4-FFF2-40B4-BE49-F238E27FC236}">
+                <a16:creationId xmlns:a16="http://schemas.microsoft.com/office/drawing/2014/main" id="{4EF83159-AB84-8A5A-AF98-A39874E5A073}"/>
+              </a:ext>
+            </a:extLst>
+          </p:cNvPr>
+          <p:cNvCxnSpPr>
+            <a:cxnSpLocks/>
+            <a:stCxn id="4" idx="3"/>
+            <a:endCxn id="5" idx="1"/>
+          </p:cNvCxnSpPr>
+          <p:nvPr/>
+        </p:nvCxnSpPr>
+        <p:spPr>
+          <a:xfrm>
+            <a:off x="2573624" y="3546983"/>
+            <a:ext cx="1425073" cy="0"/>
+          </a:xfrm>
+          <a:prstGeom prst="straightConnector1">
+            <a:avLst/>
+          </a:prstGeom>
+          <a:ln>
+            <a:solidFill>
+              <a:srgbClr val="FF0000"/>
+            </a:solidFill>
+            <a:tailEnd type="triangle"/>
+          </a:ln>
+        </p:spPr>
+        <p:style>
+          <a:lnRef idx="2">
+            <a:schemeClr val="dk1"/>
+          </a:lnRef>
+          <a:fillRef idx="0">
+            <a:schemeClr val="dk1"/>
+          </a:fillRef>
+          <a:effectRef idx="1">
+            <a:schemeClr val="dk1"/>
+          </a:effectRef>
+          <a:fontRef idx="minor">
+            <a:schemeClr val="tx1"/>
+          </a:fontRef>
+        </p:style>
+      </p:cxnSp>
+      <p:cxnSp>
+        <p:nvCxnSpPr>
+          <p:cNvPr id="16" name="연결선: 꺾임 15">
+            <a:extLst>
+              <a:ext uri="{FF2B5EF4-FFF2-40B4-BE49-F238E27FC236}">
+                <a16:creationId xmlns:a16="http://schemas.microsoft.com/office/drawing/2014/main" id="{55D97B17-D3D6-EC95-64A5-0A5E841FB585}"/>
+              </a:ext>
+            </a:extLst>
+          </p:cNvPr>
+          <p:cNvCxnSpPr>
+            <a:cxnSpLocks/>
+          </p:cNvCxnSpPr>
+          <p:nvPr/>
+        </p:nvCxnSpPr>
+        <p:spPr>
+          <a:xfrm>
+            <a:off x="5116297" y="3556508"/>
+            <a:ext cx="1425066" cy="1349503"/>
+          </a:xfrm>
+          <a:prstGeom prst="bentConnector3">
+            <a:avLst>
+              <a:gd name="adj1" fmla="val 74062"/>
+            </a:avLst>
+          </a:prstGeom>
+          <a:ln>
+            <a:solidFill>
+              <a:srgbClr val="FF0000"/>
+            </a:solidFill>
+            <a:tailEnd type="triangle"/>
+          </a:ln>
+        </p:spPr>
+        <p:style>
+          <a:lnRef idx="2">
+            <a:schemeClr val="dk1"/>
+          </a:lnRef>
+          <a:fillRef idx="0">
+            <a:schemeClr val="dk1"/>
+          </a:fillRef>
+          <a:effectRef idx="1">
+            <a:schemeClr val="dk1"/>
+          </a:effectRef>
+          <a:fontRef idx="minor">
+            <a:schemeClr val="tx1"/>
+          </a:fontRef>
+        </p:style>
+      </p:cxnSp>
+      <p:cxnSp>
+        <p:nvCxnSpPr>
+          <p:cNvPr id="20" name="연결선: 꺾임 19">
+            <a:extLst>
+              <a:ext uri="{FF2B5EF4-FFF2-40B4-BE49-F238E27FC236}">
+                <a16:creationId xmlns:a16="http://schemas.microsoft.com/office/drawing/2014/main" id="{6962D852-7781-F3CE-7A63-B66FB1C08063}"/>
+              </a:ext>
+            </a:extLst>
+          </p:cNvPr>
+          <p:cNvCxnSpPr>
+            <a:cxnSpLocks/>
+            <a:stCxn id="5" idx="3"/>
+            <a:endCxn id="7" idx="1"/>
+          </p:cNvCxnSpPr>
+          <p:nvPr/>
+        </p:nvCxnSpPr>
+        <p:spPr>
+          <a:xfrm flipV="1">
+            <a:off x="5116297" y="2197481"/>
+            <a:ext cx="1425070" cy="1349502"/>
+          </a:xfrm>
+          <a:prstGeom prst="bentConnector3">
+            <a:avLst>
+              <a:gd name="adj1" fmla="val 74062"/>
+            </a:avLst>
+          </a:prstGeom>
+          <a:ln>
+            <a:solidFill>
+              <a:srgbClr val="FF0000"/>
+            </a:solidFill>
+            <a:tailEnd type="triangle"/>
+          </a:ln>
+        </p:spPr>
+        <p:style>
+          <a:lnRef idx="2">
+            <a:schemeClr val="dk1"/>
+          </a:lnRef>
+          <a:fillRef idx="0">
+            <a:schemeClr val="dk1"/>
+          </a:fillRef>
+          <a:effectRef idx="1">
+            <a:schemeClr val="dk1"/>
+          </a:effectRef>
+          <a:fontRef idx="minor">
+            <a:schemeClr val="tx1"/>
+          </a:fontRef>
+        </p:style>
+      </p:cxnSp>
+      <p:cxnSp>
+        <p:nvCxnSpPr>
+          <p:cNvPr id="26" name="직선 화살표 연결선 25">
+            <a:extLst>
+              <a:ext uri="{FF2B5EF4-FFF2-40B4-BE49-F238E27FC236}">
+                <a16:creationId xmlns:a16="http://schemas.microsoft.com/office/drawing/2014/main" id="{E1231118-116A-B202-1F0D-E541CFCB04C6}"/>
+              </a:ext>
+            </a:extLst>
+          </p:cNvPr>
+          <p:cNvCxnSpPr>
+            <a:cxnSpLocks/>
+          </p:cNvCxnSpPr>
+          <p:nvPr/>
+        </p:nvCxnSpPr>
+        <p:spPr>
+          <a:xfrm>
+            <a:off x="5116290" y="3556508"/>
+            <a:ext cx="1425073" cy="0"/>
+          </a:xfrm>
+          <a:prstGeom prst="straightConnector1">
+            <a:avLst/>
+          </a:prstGeom>
+          <a:ln>
+            <a:solidFill>
+              <a:srgbClr val="FF0000"/>
+            </a:solidFill>
+            <a:tailEnd type="triangle"/>
+          </a:ln>
+        </p:spPr>
+        <p:style>
+          <a:lnRef idx="2">
+            <a:schemeClr val="dk1"/>
+          </a:lnRef>
+          <a:fillRef idx="0">
+            <a:schemeClr val="dk1"/>
+          </a:fillRef>
+          <a:effectRef idx="1">
+            <a:schemeClr val="dk1"/>
+          </a:effectRef>
+          <a:fontRef idx="minor">
+            <a:schemeClr val="tx1"/>
+          </a:fontRef>
+        </p:style>
+      </p:cxnSp>
+      <p:cxnSp>
+        <p:nvCxnSpPr>
+          <p:cNvPr id="27" name="직선 화살표 연결선 26">
+            <a:extLst>
+              <a:ext uri="{FF2B5EF4-FFF2-40B4-BE49-F238E27FC236}">
+                <a16:creationId xmlns:a16="http://schemas.microsoft.com/office/drawing/2014/main" id="{52757754-257B-2B4B-C7B8-44A19524779D}"/>
+              </a:ext>
+            </a:extLst>
+          </p:cNvPr>
+          <p:cNvCxnSpPr>
+            <a:cxnSpLocks/>
+          </p:cNvCxnSpPr>
+          <p:nvPr/>
+        </p:nvCxnSpPr>
+        <p:spPr>
+          <a:xfrm>
+            <a:off x="7658967" y="2197481"/>
+            <a:ext cx="1425073" cy="0"/>
+          </a:xfrm>
+          <a:prstGeom prst="straightConnector1">
+            <a:avLst/>
+          </a:prstGeom>
+          <a:ln>
+            <a:solidFill>
+              <a:srgbClr val="FF0000"/>
+            </a:solidFill>
+            <a:tailEnd type="triangle"/>
+          </a:ln>
+        </p:spPr>
+        <p:style>
+          <a:lnRef idx="2">
+            <a:schemeClr val="dk1"/>
+          </a:lnRef>
+          <a:fillRef idx="0">
+            <a:schemeClr val="dk1"/>
+          </a:fillRef>
+          <a:effectRef idx="1">
+            <a:schemeClr val="dk1"/>
+          </a:effectRef>
+          <a:fontRef idx="minor">
+            <a:schemeClr val="tx1"/>
+          </a:fontRef>
+        </p:style>
+      </p:cxnSp>
+      <p:cxnSp>
+        <p:nvCxnSpPr>
+          <p:cNvPr id="28" name="직선 화살표 연결선 27">
+            <a:extLst>
+              <a:ext uri="{FF2B5EF4-FFF2-40B4-BE49-F238E27FC236}">
+                <a16:creationId xmlns:a16="http://schemas.microsoft.com/office/drawing/2014/main" id="{E08C7F8B-E4F1-8EE0-792D-B21B32C5AF39}"/>
+              </a:ext>
+            </a:extLst>
+          </p:cNvPr>
+          <p:cNvCxnSpPr>
+            <a:cxnSpLocks/>
+          </p:cNvCxnSpPr>
+          <p:nvPr/>
+        </p:nvCxnSpPr>
+        <p:spPr>
+          <a:xfrm>
+            <a:off x="7658970" y="3546983"/>
+            <a:ext cx="1425073" cy="0"/>
+          </a:xfrm>
+          <a:prstGeom prst="straightConnector1">
+            <a:avLst/>
+          </a:prstGeom>
+          <a:ln>
+            <a:solidFill>
+              <a:srgbClr val="FF0000"/>
+            </a:solidFill>
+            <a:tailEnd type="triangle"/>
+          </a:ln>
+        </p:spPr>
+        <p:style>
+          <a:lnRef idx="2">
+            <a:schemeClr val="dk1"/>
+          </a:lnRef>
+          <a:fillRef idx="0">
+            <a:schemeClr val="dk1"/>
+          </a:fillRef>
+          <a:effectRef idx="1">
+            <a:schemeClr val="dk1"/>
+          </a:effectRef>
+          <a:fontRef idx="minor">
+            <a:schemeClr val="tx1"/>
+          </a:fontRef>
+        </p:style>
+      </p:cxnSp>
+      <p:cxnSp>
+        <p:nvCxnSpPr>
+          <p:cNvPr id="29" name="직선 화살표 연결선 28">
+            <a:extLst>
+              <a:ext uri="{FF2B5EF4-FFF2-40B4-BE49-F238E27FC236}">
+                <a16:creationId xmlns:a16="http://schemas.microsoft.com/office/drawing/2014/main" id="{8F52B6DD-F81C-95E4-69EC-9E4CEB8DB718}"/>
+              </a:ext>
+            </a:extLst>
+          </p:cNvPr>
+          <p:cNvCxnSpPr>
+            <a:cxnSpLocks/>
+          </p:cNvCxnSpPr>
+          <p:nvPr/>
+        </p:nvCxnSpPr>
+        <p:spPr>
+          <a:xfrm>
+            <a:off x="7658963" y="4896486"/>
+            <a:ext cx="1425073" cy="0"/>
+          </a:xfrm>
+          <a:prstGeom prst="straightConnector1">
+            <a:avLst/>
+          </a:prstGeom>
+          <a:ln>
+            <a:solidFill>
+              <a:srgbClr val="FF0000"/>
+            </a:solidFill>
+            <a:tailEnd type="triangle"/>
+          </a:ln>
+        </p:spPr>
+        <p:style>
+          <a:lnRef idx="2">
+            <a:schemeClr val="dk1"/>
+          </a:lnRef>
+          <a:fillRef idx="0">
+            <a:schemeClr val="dk1"/>
+          </a:fillRef>
+          <a:effectRef idx="1">
+            <a:schemeClr val="dk1"/>
+          </a:effectRef>
+          <a:fontRef idx="minor">
+            <a:schemeClr val="tx1"/>
+          </a:fontRef>
+        </p:style>
+      </p:cxnSp>
+      <p:sp>
+        <p:nvSpPr>
+          <p:cNvPr id="33" name="사각형: 둥근 모서리 32">
+            <a:extLst>
+              <a:ext uri="{FF2B5EF4-FFF2-40B4-BE49-F238E27FC236}">
+                <a16:creationId xmlns:a16="http://schemas.microsoft.com/office/drawing/2014/main" id="{353BE6D4-57F9-4DD6-1C45-37FB65794291}"/>
+              </a:ext>
+            </a:extLst>
+          </p:cNvPr>
+          <p:cNvSpPr/>
+          <p:nvPr/>
+        </p:nvSpPr>
+        <p:spPr>
+          <a:xfrm>
+            <a:off x="1456023" y="5973515"/>
+            <a:ext cx="1117600" cy="544946"/>
+          </a:xfrm>
+          <a:prstGeom prst="roundRect">
+            <a:avLst/>
+          </a:prstGeom>
+          <a:noFill/>
+          <a:ln>
+            <a:solidFill>
+              <a:schemeClr val="tx1"/>
+            </a:solidFill>
+          </a:ln>
+        </p:spPr>
+        <p:style>
+          <a:lnRef idx="2">
+            <a:schemeClr val="accent1">
+              <a:shade val="15000"/>
+            </a:schemeClr>
+          </a:lnRef>
+          <a:fillRef idx="1">
+            <a:schemeClr val="accent1"/>
+          </a:fillRef>
+          <a:effectRef idx="0">
+            <a:schemeClr val="accent1"/>
+          </a:effectRef>
+          <a:fontRef idx="minor">
+            <a:schemeClr val="lt1"/>
+          </a:fontRef>
+        </p:style>
+        <p:txBody>
+          <a:bodyPr rtlCol="0" anchor="ctr"/>
+          <a:lstStyle/>
+          <a:p>
+            <a:pPr algn="ctr"/>
+            <a:r>
+              <a:rPr lang="en-US" altLang="ko-KR" dirty="0">
+                <a:solidFill>
+                  <a:schemeClr val="tx1"/>
+                </a:solidFill>
+              </a:rPr>
+              <a:t>Camera</a:t>
+            </a:r>
+            <a:endParaRPr lang="ko-KR" altLang="en-US" dirty="0">
+              <a:solidFill>
+                <a:schemeClr val="tx1"/>
+              </a:solidFill>
+            </a:endParaRPr>
+          </a:p>
+        </p:txBody>
+      </p:sp>
+      <p:sp>
+        <p:nvSpPr>
+          <p:cNvPr id="34" name="사각형: 둥근 모서리 33">
+            <a:extLst>
+              <a:ext uri="{FF2B5EF4-FFF2-40B4-BE49-F238E27FC236}">
+                <a16:creationId xmlns:a16="http://schemas.microsoft.com/office/drawing/2014/main" id="{307BB9EA-1387-AF1C-8C89-53101402C2CD}"/>
+              </a:ext>
+            </a:extLst>
+          </p:cNvPr>
+          <p:cNvSpPr/>
+          <p:nvPr/>
+        </p:nvSpPr>
+        <p:spPr>
+          <a:xfrm>
+            <a:off x="3998696" y="5973515"/>
+            <a:ext cx="1117600" cy="544946"/>
+          </a:xfrm>
+          <a:prstGeom prst="roundRect">
+            <a:avLst/>
+          </a:prstGeom>
+          <a:noFill/>
+          <a:ln>
+            <a:solidFill>
+              <a:schemeClr val="tx1"/>
+            </a:solidFill>
+          </a:ln>
+        </p:spPr>
+        <p:style>
+          <a:lnRef idx="2">
+            <a:schemeClr val="accent1">
+              <a:shade val="15000"/>
+            </a:schemeClr>
+          </a:lnRef>
+          <a:fillRef idx="1">
+            <a:schemeClr val="accent1"/>
+          </a:fillRef>
+          <a:effectRef idx="0">
+            <a:schemeClr val="accent1"/>
+          </a:effectRef>
+          <a:fontRef idx="minor">
+            <a:schemeClr val="lt1"/>
+          </a:fontRef>
+        </p:style>
+        <p:txBody>
+          <a:bodyPr rtlCol="0" anchor="ctr"/>
+          <a:lstStyle/>
+          <a:p>
+            <a:pPr algn="ctr"/>
+            <a:r>
+              <a:rPr lang="en-US" altLang="ko-KR" dirty="0">
+                <a:solidFill>
+                  <a:schemeClr val="tx1"/>
+                </a:solidFill>
+              </a:rPr>
+              <a:t>ROI</a:t>
+            </a:r>
+            <a:endParaRPr lang="ko-KR" altLang="en-US" dirty="0">
+              <a:solidFill>
+                <a:schemeClr val="tx1"/>
+              </a:solidFill>
+            </a:endParaRPr>
+          </a:p>
+        </p:txBody>
+      </p:sp>
+      <p:cxnSp>
+        <p:nvCxnSpPr>
+          <p:cNvPr id="35" name="직선 화살표 연결선 34">
+            <a:extLst>
+              <a:ext uri="{FF2B5EF4-FFF2-40B4-BE49-F238E27FC236}">
+                <a16:creationId xmlns:a16="http://schemas.microsoft.com/office/drawing/2014/main" id="{C5A6BE9B-93E1-2AF4-DC62-78A6D1D32220}"/>
+              </a:ext>
+            </a:extLst>
+          </p:cNvPr>
+          <p:cNvCxnSpPr>
+            <a:cxnSpLocks/>
+          </p:cNvCxnSpPr>
+          <p:nvPr/>
+        </p:nvCxnSpPr>
+        <p:spPr>
+          <a:xfrm>
+            <a:off x="2573622" y="6245988"/>
+            <a:ext cx="1425073" cy="0"/>
+          </a:xfrm>
+          <a:prstGeom prst="straightConnector1">
+            <a:avLst/>
+          </a:prstGeom>
+          <a:ln>
+            <a:solidFill>
+              <a:schemeClr val="tx2"/>
+            </a:solidFill>
+            <a:tailEnd type="triangle"/>
+          </a:ln>
+        </p:spPr>
+        <p:style>
+          <a:lnRef idx="2">
+            <a:schemeClr val="dk1"/>
+          </a:lnRef>
+          <a:fillRef idx="0">
+            <a:schemeClr val="dk1"/>
+          </a:fillRef>
+          <a:effectRef idx="1">
+            <a:schemeClr val="dk1"/>
+          </a:effectRef>
+          <a:fontRef idx="minor">
+            <a:schemeClr val="tx1"/>
+          </a:fontRef>
+        </p:style>
+      </p:cxnSp>
+      <p:sp>
+        <p:nvSpPr>
+          <p:cNvPr id="36" name="사각형: 둥근 모서리 35">
+            <a:extLst>
+              <a:ext uri="{FF2B5EF4-FFF2-40B4-BE49-F238E27FC236}">
+                <a16:creationId xmlns:a16="http://schemas.microsoft.com/office/drawing/2014/main" id="{D21450FF-AEAE-4093-6059-39D493F1498A}"/>
+              </a:ext>
+            </a:extLst>
+          </p:cNvPr>
+          <p:cNvSpPr/>
+          <p:nvPr/>
+        </p:nvSpPr>
+        <p:spPr>
+          <a:xfrm>
+            <a:off x="6541366" y="5973515"/>
+            <a:ext cx="1117600" cy="544946"/>
+          </a:xfrm>
+          <a:prstGeom prst="roundRect">
+            <a:avLst/>
+          </a:prstGeom>
+          <a:noFill/>
+          <a:ln>
+            <a:solidFill>
+              <a:schemeClr val="tx1"/>
+            </a:solidFill>
+          </a:ln>
+        </p:spPr>
+        <p:style>
+          <a:lnRef idx="2">
+            <a:schemeClr val="accent1">
+              <a:shade val="15000"/>
+            </a:schemeClr>
+          </a:lnRef>
+          <a:fillRef idx="1">
+            <a:schemeClr val="accent1"/>
+          </a:fillRef>
+          <a:effectRef idx="0">
+            <a:schemeClr val="accent1"/>
+          </a:effectRef>
+          <a:fontRef idx="minor">
+            <a:schemeClr val="lt1"/>
+          </a:fontRef>
+        </p:style>
+        <p:txBody>
+          <a:bodyPr rtlCol="0" anchor="ctr"/>
+          <a:lstStyle/>
+          <a:p>
+            <a:pPr algn="ctr"/>
+            <a:r>
+              <a:rPr lang="en-US" altLang="ko-KR" dirty="0">
+                <a:solidFill>
+                  <a:schemeClr val="tx1"/>
+                </a:solidFill>
+              </a:rPr>
+              <a:t>Lane Detect</a:t>
+            </a:r>
+            <a:endParaRPr lang="ko-KR" altLang="en-US" dirty="0">
+              <a:solidFill>
+                <a:schemeClr val="tx1"/>
+              </a:solidFill>
+            </a:endParaRPr>
+          </a:p>
+        </p:txBody>
+      </p:sp>
+      <p:cxnSp>
+        <p:nvCxnSpPr>
+          <p:cNvPr id="37" name="직선 화살표 연결선 36">
+            <a:extLst>
+              <a:ext uri="{FF2B5EF4-FFF2-40B4-BE49-F238E27FC236}">
+                <a16:creationId xmlns:a16="http://schemas.microsoft.com/office/drawing/2014/main" id="{26540D2D-1FA5-ECCA-5012-1C8841F5A62E}"/>
+              </a:ext>
+            </a:extLst>
+          </p:cNvPr>
+          <p:cNvCxnSpPr>
+            <a:cxnSpLocks/>
+          </p:cNvCxnSpPr>
+          <p:nvPr/>
+        </p:nvCxnSpPr>
+        <p:spPr>
+          <a:xfrm>
+            <a:off x="5116292" y="6245988"/>
+            <a:ext cx="1425073" cy="0"/>
+          </a:xfrm>
+          <a:prstGeom prst="straightConnector1">
+            <a:avLst/>
+          </a:prstGeom>
+          <a:ln>
+            <a:solidFill>
+              <a:srgbClr val="FF0000"/>
+            </a:solidFill>
+            <a:tailEnd type="triangle"/>
+          </a:ln>
+        </p:spPr>
+        <p:style>
+          <a:lnRef idx="2">
+            <a:schemeClr val="dk1"/>
+          </a:lnRef>
+          <a:fillRef idx="0">
+            <a:schemeClr val="dk1"/>
+          </a:fillRef>
+          <a:effectRef idx="1">
+            <a:schemeClr val="dk1"/>
+          </a:effectRef>
+          <a:fontRef idx="minor">
+            <a:schemeClr val="tx1"/>
+          </a:fontRef>
+        </p:style>
+      </p:cxnSp>
+      <p:sp>
+        <p:nvSpPr>
+          <p:cNvPr id="38" name="사각형: 둥근 모서리 37">
+            <a:extLst>
+              <a:ext uri="{FF2B5EF4-FFF2-40B4-BE49-F238E27FC236}">
+                <a16:creationId xmlns:a16="http://schemas.microsoft.com/office/drawing/2014/main" id="{86A73BD5-6408-765E-7AA0-BFE1F9DA69C6}"/>
+              </a:ext>
+            </a:extLst>
+          </p:cNvPr>
+          <p:cNvSpPr/>
+          <p:nvPr/>
+        </p:nvSpPr>
+        <p:spPr>
+          <a:xfrm>
+            <a:off x="9084036" y="5973515"/>
+            <a:ext cx="1117600" cy="544946"/>
+          </a:xfrm>
+          <a:prstGeom prst="roundRect">
+            <a:avLst/>
+          </a:prstGeom>
+          <a:noFill/>
+          <a:ln>
+            <a:solidFill>
+              <a:schemeClr val="tx1"/>
+            </a:solidFill>
+          </a:ln>
+        </p:spPr>
+        <p:style>
+          <a:lnRef idx="2">
+            <a:schemeClr val="accent1">
+              <a:shade val="15000"/>
+            </a:schemeClr>
+          </a:lnRef>
+          <a:fillRef idx="1">
+            <a:schemeClr val="accent1"/>
+          </a:fillRef>
+          <a:effectRef idx="0">
+            <a:schemeClr val="accent1"/>
+          </a:effectRef>
+          <a:fontRef idx="minor">
+            <a:schemeClr val="lt1"/>
+          </a:fontRef>
+        </p:style>
+        <p:txBody>
+          <a:bodyPr rtlCol="0" anchor="ctr"/>
+          <a:lstStyle/>
+          <a:p>
+            <a:pPr algn="ctr"/>
+            <a:r>
+              <a:rPr lang="en-US" altLang="ko-KR" dirty="0">
+                <a:solidFill>
+                  <a:schemeClr val="tx1"/>
+                </a:solidFill>
+              </a:rPr>
+              <a:t>LKAS</a:t>
+            </a:r>
+            <a:endParaRPr lang="ko-KR" altLang="en-US" dirty="0">
+              <a:solidFill>
+                <a:schemeClr val="tx1"/>
+              </a:solidFill>
+            </a:endParaRPr>
+          </a:p>
+        </p:txBody>
+      </p:sp>
+      <p:cxnSp>
+        <p:nvCxnSpPr>
+          <p:cNvPr id="39" name="직선 화살표 연결선 38">
+            <a:extLst>
+              <a:ext uri="{FF2B5EF4-FFF2-40B4-BE49-F238E27FC236}">
+                <a16:creationId xmlns:a16="http://schemas.microsoft.com/office/drawing/2014/main" id="{EB72BF36-2FAE-9A49-F49A-7FE3609D7C39}"/>
+              </a:ext>
+            </a:extLst>
+          </p:cNvPr>
+          <p:cNvCxnSpPr>
+            <a:cxnSpLocks/>
+          </p:cNvCxnSpPr>
+          <p:nvPr/>
+        </p:nvCxnSpPr>
+        <p:spPr>
+          <a:xfrm>
+            <a:off x="7658962" y="6245988"/>
+            <a:ext cx="1425073" cy="0"/>
+          </a:xfrm>
+          <a:prstGeom prst="straightConnector1">
+            <a:avLst/>
+          </a:prstGeom>
+          <a:ln>
+            <a:solidFill>
+              <a:srgbClr val="FF0000"/>
+            </a:solidFill>
+            <a:tailEnd type="triangle"/>
+          </a:ln>
+        </p:spPr>
+        <p:style>
+          <a:lnRef idx="2">
+            <a:schemeClr val="dk1"/>
+          </a:lnRef>
+          <a:fillRef idx="0">
+            <a:schemeClr val="dk1"/>
+          </a:fillRef>
+          <a:effectRef idx="1">
+            <a:schemeClr val="dk1"/>
+          </a:effectRef>
+          <a:fontRef idx="minor">
+            <a:schemeClr val="tx1"/>
+          </a:fontRef>
+        </p:style>
+      </p:cxnSp>
+      <p:sp>
+        <p:nvSpPr>
+          <p:cNvPr id="12" name="제목 1">
+            <a:extLst>
+              <a:ext uri="{FF2B5EF4-FFF2-40B4-BE49-F238E27FC236}">
+                <a16:creationId xmlns:a16="http://schemas.microsoft.com/office/drawing/2014/main" id="{EA6023B8-5DBD-B5D7-1527-780D55990197}"/>
               </a:ext>
             </a:extLst>
           </p:cNvPr>
@@ -5111,14 +9042,19 @@
             <p:ph type="title"/>
           </p:nvPr>
         </p:nvSpPr>
-        <p:spPr/>
+        <p:spPr>
+          <a:xfrm>
+            <a:off x="838200" y="365125"/>
+            <a:ext cx="10515600" cy="1325563"/>
+          </a:xfrm>
+        </p:spPr>
         <p:txBody>
           <a:bodyPr/>
           <a:lstStyle/>
           <a:p>
             <a:r>
               <a:rPr lang="en-US" altLang="ko-KR" dirty="0"/>
-              <a:t>System Architecture - Slip</a:t>
+              <a:t>System Architecture - ADAS</a:t>
             </a:r>
             <a:endParaRPr lang="ko-KR" altLang="en-US" dirty="0"/>
           </a:p>
@@ -5126,33 +9062,865 @@
       </p:sp>
       <p:sp>
         <p:nvSpPr>
-          <p:cNvPr id="3" name="내용 개체 틀 2">
-            <a:extLst>
-              <a:ext uri="{FF2B5EF4-FFF2-40B4-BE49-F238E27FC236}">
-                <a16:creationId xmlns:a16="http://schemas.microsoft.com/office/drawing/2014/main" id="{ED4F0A8C-5540-53FA-4203-71B2AC95A155}"/>
-              </a:ext>
-            </a:extLst>
-          </p:cNvPr>
-          <p:cNvSpPr>
-            <a:spLocks noGrp="1"/>
-          </p:cNvSpPr>
-          <p:nvPr>
-            <p:ph idx="1"/>
-          </p:nvPr>
-        </p:nvSpPr>
-        <p:spPr/>
-        <p:txBody>
-          <a:bodyPr/>
-          <a:lstStyle/>
-          <a:p>
-            <a:endParaRPr lang="ko-KR" altLang="en-US" dirty="0"/>
+          <p:cNvPr id="14" name="직사각형 13">
+            <a:extLst>
+              <a:ext uri="{FF2B5EF4-FFF2-40B4-BE49-F238E27FC236}">
+                <a16:creationId xmlns:a16="http://schemas.microsoft.com/office/drawing/2014/main" id="{CBE36C7A-0ED2-CF1D-63D2-7BA7FCB54871}"/>
+              </a:ext>
+            </a:extLst>
+          </p:cNvPr>
+          <p:cNvSpPr/>
+          <p:nvPr/>
+        </p:nvSpPr>
+        <p:spPr>
+          <a:xfrm>
+            <a:off x="3422866" y="4624013"/>
+            <a:ext cx="2269263" cy="1271958"/>
+          </a:xfrm>
+          <a:prstGeom prst="rect">
+            <a:avLst/>
+          </a:prstGeom>
+          <a:noFill/>
+          <a:ln>
+            <a:solidFill>
+              <a:schemeClr val="tx1"/>
+            </a:solidFill>
+          </a:ln>
+        </p:spPr>
+        <p:style>
+          <a:lnRef idx="2">
+            <a:schemeClr val="accent1">
+              <a:shade val="15000"/>
+            </a:schemeClr>
+          </a:lnRef>
+          <a:fillRef idx="1">
+            <a:schemeClr val="accent1"/>
+          </a:fillRef>
+          <a:effectRef idx="0">
+            <a:schemeClr val="accent1"/>
+          </a:effectRef>
+          <a:fontRef idx="minor">
+            <a:schemeClr val="lt1"/>
+          </a:fontRef>
+        </p:style>
+        <p:txBody>
+          <a:bodyPr rtlCol="0" anchor="ctr"/>
+          <a:lstStyle/>
+          <a:p>
+            <a:pPr algn="ctr"/>
+            <a:r>
+              <a:rPr lang="ko-KR" altLang="en-US">
+                <a:solidFill>
+                  <a:schemeClr val="tx1"/>
+                </a:solidFill>
+              </a:rPr>
+              <a:t>사진</a:t>
+            </a:r>
+          </a:p>
+        </p:txBody>
+      </p:sp>
+      <p:sp>
+        <p:nvSpPr>
+          <p:cNvPr id="15" name="직사각형 14">
+            <a:extLst>
+              <a:ext uri="{FF2B5EF4-FFF2-40B4-BE49-F238E27FC236}">
+                <a16:creationId xmlns:a16="http://schemas.microsoft.com/office/drawing/2014/main" id="{8E9C3CA3-FDA8-324F-9CC0-34B0FE3A11E0}"/>
+              </a:ext>
+            </a:extLst>
+          </p:cNvPr>
+          <p:cNvSpPr/>
+          <p:nvPr/>
+        </p:nvSpPr>
+        <p:spPr>
+          <a:xfrm>
+            <a:off x="3422866" y="1873007"/>
+            <a:ext cx="2269263" cy="1271958"/>
+          </a:xfrm>
+          <a:prstGeom prst="rect">
+            <a:avLst/>
+          </a:prstGeom>
+          <a:noFill/>
+          <a:ln>
+            <a:solidFill>
+              <a:schemeClr val="tx1"/>
+            </a:solidFill>
+          </a:ln>
+        </p:spPr>
+        <p:style>
+          <a:lnRef idx="2">
+            <a:schemeClr val="accent1">
+              <a:shade val="15000"/>
+            </a:schemeClr>
+          </a:lnRef>
+          <a:fillRef idx="1">
+            <a:schemeClr val="accent1"/>
+          </a:fillRef>
+          <a:effectRef idx="0">
+            <a:schemeClr val="accent1"/>
+          </a:effectRef>
+          <a:fontRef idx="minor">
+            <a:schemeClr val="lt1"/>
+          </a:fontRef>
+        </p:style>
+        <p:txBody>
+          <a:bodyPr rtlCol="0" anchor="ctr"/>
+          <a:lstStyle/>
+          <a:p>
+            <a:pPr algn="ctr"/>
+            <a:r>
+              <a:rPr lang="en-US" altLang="ko-KR" dirty="0">
+                <a:solidFill>
+                  <a:schemeClr val="tx1"/>
+                </a:solidFill>
+              </a:rPr>
+              <a:t>TTC </a:t>
+            </a:r>
+            <a:r>
+              <a:rPr lang="ko-KR" altLang="en-US" dirty="0">
+                <a:solidFill>
+                  <a:schemeClr val="tx1"/>
+                </a:solidFill>
+              </a:rPr>
+              <a:t>기준 </a:t>
+            </a:r>
+            <a:r>
+              <a:rPr lang="en-US" altLang="ko-KR" dirty="0">
+                <a:solidFill>
+                  <a:schemeClr val="tx1"/>
+                </a:solidFill>
+              </a:rPr>
+              <a:t>+ α </a:t>
+            </a:r>
+          </a:p>
+          <a:p>
+            <a:pPr algn="ctr"/>
+            <a:r>
+              <a:rPr lang="en-US" altLang="ko-KR" dirty="0">
+                <a:solidFill>
+                  <a:schemeClr val="tx1"/>
+                </a:solidFill>
+              </a:rPr>
+              <a:t>(α = road condition)</a:t>
+            </a:r>
+            <a:endParaRPr lang="ko-KR" altLang="en-US" dirty="0">
+              <a:solidFill>
+                <a:schemeClr val="tx1"/>
+              </a:solidFill>
+            </a:endParaRPr>
+          </a:p>
+        </p:txBody>
+      </p:sp>
+      <p:grpSp>
+        <p:nvGrpSpPr>
+          <p:cNvPr id="19" name="그룹 18">
+            <a:extLst>
+              <a:ext uri="{FF2B5EF4-FFF2-40B4-BE49-F238E27FC236}">
+                <a16:creationId xmlns:a16="http://schemas.microsoft.com/office/drawing/2014/main" id="{62FE629C-3689-6BA4-8EB6-7978387DD2D3}"/>
+              </a:ext>
+            </a:extLst>
+          </p:cNvPr>
+          <p:cNvGrpSpPr/>
+          <p:nvPr/>
+        </p:nvGrpSpPr>
+        <p:grpSpPr>
+          <a:xfrm>
+            <a:off x="10688687" y="-251244"/>
+            <a:ext cx="1503313" cy="973648"/>
+            <a:chOff x="4964939" y="5958322"/>
+            <a:chExt cx="1503313" cy="973648"/>
+          </a:xfrm>
+        </p:grpSpPr>
+        <p:pic>
+          <p:nvPicPr>
+            <p:cNvPr id="21" name="Picture 2" descr="What's New with Eclipse Cloud DevTools | Eclipse News, Eclipse in the News,  Eclipse Announcement">
+              <a:extLst>
+                <a:ext uri="{FF2B5EF4-FFF2-40B4-BE49-F238E27FC236}">
+                  <a16:creationId xmlns:a16="http://schemas.microsoft.com/office/drawing/2014/main" id="{A23FFB77-D25D-E119-83F8-8A75CB9863E9}"/>
+                </a:ext>
+              </a:extLst>
+            </p:cNvPr>
+            <p:cNvPicPr>
+              <a:picLocks noChangeAspect="1" noChangeArrowheads="1"/>
+            </p:cNvPicPr>
+            <p:nvPr/>
+          </p:nvPicPr>
+          <p:blipFill>
+            <a:blip r:embed="rId2">
+              <a:extLst>
+                <a:ext uri="{BEBA8EAE-BF5A-486C-A8C5-ECC9F3942E4B}">
+                  <a14:imgProps xmlns:a14="http://schemas.microsoft.com/office/drawing/2010/main">
+                    <a14:imgLayer r:embed="rId3">
+                      <a14:imgEffect>
+                        <a14:backgroundRemoval t="10000" b="90000" l="10000" r="90000">
+                          <a14:foregroundMark x1="30440" y1="52600" x2="30440" y2="52600"/>
+                          <a14:foregroundMark x1="22539" y1="45400" x2="22539" y2="45400"/>
+                          <a14:foregroundMark x1="23964" y1="55600" x2="23964" y2="55600"/>
+                          <a14:foregroundMark x1="19819" y1="57600" x2="19819" y2="57600"/>
+                          <a14:foregroundMark x1="41321" y1="58000" x2="41321" y2="58000"/>
+                          <a14:foregroundMark x1="49482" y1="54400" x2="49482" y2="54400"/>
+                          <a14:foregroundMark x1="59585" y1="54800" x2="59585" y2="54800"/>
+                          <a14:foregroundMark x1="70207" y1="55600" x2="70207" y2="55600"/>
+                          <a14:foregroundMark x1="80959" y1="55600" x2="80959" y2="55600"/>
+                        </a14:backgroundRemoval>
+                      </a14:imgEffect>
+                    </a14:imgLayer>
+                  </a14:imgProps>
+                </a:ext>
+                <a:ext uri="{28A0092B-C50C-407E-A947-70E740481C1C}">
+                  <a14:useLocalDpi xmlns:a14="http://schemas.microsoft.com/office/drawing/2010/main" val="0"/>
+                </a:ext>
+              </a:extLst>
+            </a:blip>
+            <a:srcRect/>
+            <a:stretch>
+              <a:fillRect/>
+            </a:stretch>
+          </p:blipFill>
+          <p:spPr bwMode="auto">
+            <a:xfrm>
+              <a:off x="4964939" y="5958322"/>
+              <a:ext cx="1503313" cy="973648"/>
+            </a:xfrm>
+            <a:prstGeom prst="rect">
+              <a:avLst/>
+            </a:prstGeom>
+            <a:noFill/>
+            <a:extLst>
+              <a:ext uri="{909E8E84-426E-40DD-AFC4-6F175D3DCCD1}">
+                <a14:hiddenFill xmlns:a14="http://schemas.microsoft.com/office/drawing/2010/main">
+                  <a:solidFill>
+                    <a:srgbClr val="FFFFFF"/>
+                  </a:solidFill>
+                </a14:hiddenFill>
+              </a:ext>
+            </a:extLst>
+          </p:spPr>
+        </p:pic>
+        <p:cxnSp>
+          <p:nvCxnSpPr>
+            <p:cNvPr id="22" name="직선 화살표 연결선 21">
+              <a:extLst>
+                <a:ext uri="{FF2B5EF4-FFF2-40B4-BE49-F238E27FC236}">
+                  <a16:creationId xmlns:a16="http://schemas.microsoft.com/office/drawing/2014/main" id="{E620088D-C4C7-A62A-148F-915525E9CF6E}"/>
+                </a:ext>
+              </a:extLst>
+            </p:cNvPr>
+            <p:cNvCxnSpPr>
+              <a:cxnSpLocks/>
+            </p:cNvCxnSpPr>
+            <p:nvPr/>
+          </p:nvCxnSpPr>
+          <p:spPr>
+            <a:xfrm>
+              <a:off x="5210240" y="6733307"/>
+              <a:ext cx="1166338" cy="0"/>
+            </a:xfrm>
+            <a:prstGeom prst="straightConnector1">
+              <a:avLst/>
+            </a:prstGeom>
+            <a:ln>
+              <a:solidFill>
+                <a:srgbClr val="002060"/>
+              </a:solidFill>
+              <a:tailEnd type="triangle"/>
+            </a:ln>
+          </p:spPr>
+          <p:style>
+            <a:lnRef idx="2">
+              <a:schemeClr val="accent1"/>
+            </a:lnRef>
+            <a:fillRef idx="0">
+              <a:schemeClr val="accent1"/>
+            </a:fillRef>
+            <a:effectRef idx="1">
+              <a:schemeClr val="accent1"/>
+            </a:effectRef>
+            <a:fontRef idx="minor">
+              <a:schemeClr val="tx1"/>
+            </a:fontRef>
+          </p:style>
+        </p:cxnSp>
+      </p:grpSp>
+      <p:grpSp>
+        <p:nvGrpSpPr>
+          <p:cNvPr id="23" name="그룹 22">
+            <a:extLst>
+              <a:ext uri="{FF2B5EF4-FFF2-40B4-BE49-F238E27FC236}">
+                <a16:creationId xmlns:a16="http://schemas.microsoft.com/office/drawing/2014/main" id="{3C75C628-6E3A-9E4A-FC58-C0FCACEA83AC}"/>
+              </a:ext>
+            </a:extLst>
+          </p:cNvPr>
+          <p:cNvGrpSpPr/>
+          <p:nvPr/>
+        </p:nvGrpSpPr>
+        <p:grpSpPr>
+          <a:xfrm>
+            <a:off x="10933988" y="692942"/>
+            <a:ext cx="1166338" cy="460943"/>
+            <a:chOff x="6832206" y="6272364"/>
+            <a:chExt cx="1166338" cy="460943"/>
+          </a:xfrm>
+        </p:grpSpPr>
+        <p:cxnSp>
+          <p:nvCxnSpPr>
+            <p:cNvPr id="24" name="직선 화살표 연결선 23">
+              <a:extLst>
+                <a:ext uri="{FF2B5EF4-FFF2-40B4-BE49-F238E27FC236}">
+                  <a16:creationId xmlns:a16="http://schemas.microsoft.com/office/drawing/2014/main" id="{5B87BF81-E109-23F2-A68F-68605774619B}"/>
+                </a:ext>
+              </a:extLst>
+            </p:cNvPr>
+            <p:cNvCxnSpPr>
+              <a:cxnSpLocks/>
+            </p:cNvCxnSpPr>
+            <p:nvPr/>
+          </p:nvCxnSpPr>
+          <p:spPr>
+            <a:xfrm>
+              <a:off x="6832206" y="6733307"/>
+              <a:ext cx="1166338" cy="0"/>
+            </a:xfrm>
+            <a:prstGeom prst="straightConnector1">
+              <a:avLst/>
+            </a:prstGeom>
+            <a:ln>
+              <a:solidFill>
+                <a:srgbClr val="FF0000"/>
+              </a:solidFill>
+              <a:tailEnd type="triangle"/>
+            </a:ln>
+          </p:spPr>
+          <p:style>
+            <a:lnRef idx="2">
+              <a:schemeClr val="accent1"/>
+            </a:lnRef>
+            <a:fillRef idx="0">
+              <a:schemeClr val="accent1"/>
+            </a:fillRef>
+            <a:effectRef idx="1">
+              <a:schemeClr val="accent1"/>
+            </a:effectRef>
+            <a:fontRef idx="minor">
+              <a:schemeClr val="tx1"/>
+            </a:fontRef>
+          </p:style>
+        </p:cxnSp>
+        <p:pic>
+          <p:nvPicPr>
+            <p:cNvPr id="25" name="Picture 4" descr="kuksa-client · PyPI">
+              <a:extLst>
+                <a:ext uri="{FF2B5EF4-FFF2-40B4-BE49-F238E27FC236}">
+                  <a16:creationId xmlns:a16="http://schemas.microsoft.com/office/drawing/2014/main" id="{32B5DF1F-184B-036B-18FC-4A9FAD5FFDC3}"/>
+                </a:ext>
+              </a:extLst>
+            </p:cNvPr>
+            <p:cNvPicPr>
+              <a:picLocks noChangeAspect="1" noChangeArrowheads="1"/>
+            </p:cNvPicPr>
+            <p:nvPr/>
+          </p:nvPicPr>
+          <p:blipFill>
+            <a:blip r:embed="rId4">
+              <a:extLst>
+                <a:ext uri="{28A0092B-C50C-407E-A947-70E740481C1C}">
+                  <a14:useLocalDpi xmlns:a14="http://schemas.microsoft.com/office/drawing/2010/main" val="0"/>
+                </a:ext>
+              </a:extLst>
+            </a:blip>
+            <a:srcRect/>
+            <a:stretch>
+              <a:fillRect/>
+            </a:stretch>
+          </p:blipFill>
+          <p:spPr bwMode="auto">
+            <a:xfrm>
+              <a:off x="6902474" y="6272364"/>
+              <a:ext cx="1025802" cy="386812"/>
+            </a:xfrm>
+            <a:prstGeom prst="rect">
+              <a:avLst/>
+            </a:prstGeom>
+            <a:noFill/>
+            <a:extLst>
+              <a:ext uri="{909E8E84-426E-40DD-AFC4-6F175D3DCCD1}">
+                <a14:hiddenFill xmlns:a14="http://schemas.microsoft.com/office/drawing/2010/main">
+                  <a:solidFill>
+                    <a:srgbClr val="FFFFFF"/>
+                  </a:solidFill>
+                </a14:hiddenFill>
+              </a:ext>
+            </a:extLst>
+          </p:spPr>
+        </p:pic>
+      </p:grpSp>
+      <p:sp>
+        <p:nvSpPr>
+          <p:cNvPr id="30" name="사각형: 둥근 모서리 29">
+            <a:extLst>
+              <a:ext uri="{FF2B5EF4-FFF2-40B4-BE49-F238E27FC236}">
+                <a16:creationId xmlns:a16="http://schemas.microsoft.com/office/drawing/2014/main" id="{67A5DDD0-6BC1-D533-18F7-F9FFF7194545}"/>
+              </a:ext>
+            </a:extLst>
+          </p:cNvPr>
+          <p:cNvSpPr/>
+          <p:nvPr/>
+        </p:nvSpPr>
+        <p:spPr>
+          <a:xfrm>
+            <a:off x="1233773" y="2983710"/>
+            <a:ext cx="1562100" cy="3825551"/>
+          </a:xfrm>
+          <a:prstGeom prst="roundRect">
+            <a:avLst/>
+          </a:prstGeom>
+          <a:noFill/>
+          <a:ln>
+            <a:solidFill>
+              <a:srgbClr val="00B0F0"/>
+            </a:solidFill>
+          </a:ln>
+        </p:spPr>
+        <p:style>
+          <a:lnRef idx="0">
+            <a:scrgbClr r="0" g="0" b="0"/>
+          </a:lnRef>
+          <a:fillRef idx="0">
+            <a:scrgbClr r="0" g="0" b="0"/>
+          </a:fillRef>
+          <a:effectRef idx="0">
+            <a:scrgbClr r="0" g="0" b="0"/>
+          </a:effectRef>
+          <a:fontRef idx="minor">
+            <a:schemeClr val="lt1"/>
+          </a:fontRef>
+        </p:style>
+        <p:txBody>
+          <a:bodyPr rtlCol="0" anchor="ctr"/>
+          <a:lstStyle/>
+          <a:p>
+            <a:pPr algn="ctr"/>
+            <a:endParaRPr lang="ko-KR" altLang="en-US" b="1" dirty="0">
+              <a:solidFill>
+                <a:schemeClr val="tx1"/>
+              </a:solidFill>
+            </a:endParaRPr>
+          </a:p>
+        </p:txBody>
+      </p:sp>
+      <p:sp>
+        <p:nvSpPr>
+          <p:cNvPr id="31" name="사각형: 둥근 모서리 30">
+            <a:extLst>
+              <a:ext uri="{FF2B5EF4-FFF2-40B4-BE49-F238E27FC236}">
+                <a16:creationId xmlns:a16="http://schemas.microsoft.com/office/drawing/2014/main" id="{FF3F97DF-A1E9-990B-C537-5663A3608C58}"/>
+              </a:ext>
+            </a:extLst>
+          </p:cNvPr>
+          <p:cNvSpPr/>
+          <p:nvPr/>
+        </p:nvSpPr>
+        <p:spPr>
+          <a:xfrm>
+            <a:off x="3213659" y="1562107"/>
+            <a:ext cx="2651446" cy="5247154"/>
+          </a:xfrm>
+          <a:prstGeom prst="roundRect">
+            <a:avLst/>
+          </a:prstGeom>
+          <a:noFill/>
+          <a:ln>
+            <a:solidFill>
+              <a:schemeClr val="accent2"/>
+            </a:solidFill>
+          </a:ln>
+        </p:spPr>
+        <p:style>
+          <a:lnRef idx="0">
+            <a:scrgbClr r="0" g="0" b="0"/>
+          </a:lnRef>
+          <a:fillRef idx="0">
+            <a:scrgbClr r="0" g="0" b="0"/>
+          </a:fillRef>
+          <a:effectRef idx="0">
+            <a:scrgbClr r="0" g="0" b="0"/>
+          </a:effectRef>
+          <a:fontRef idx="minor">
+            <a:schemeClr val="lt1"/>
+          </a:fontRef>
+        </p:style>
+        <p:txBody>
+          <a:bodyPr rtlCol="0" anchor="ctr"/>
+          <a:lstStyle/>
+          <a:p>
+            <a:pPr algn="ctr"/>
+            <a:endParaRPr lang="ko-KR" altLang="en-US" dirty="0">
+              <a:solidFill>
+                <a:schemeClr val="tx1"/>
+              </a:solidFill>
+            </a:endParaRPr>
+          </a:p>
+        </p:txBody>
+      </p:sp>
+      <p:sp>
+        <p:nvSpPr>
+          <p:cNvPr id="32" name="사각형: 둥근 모서리 31">
+            <a:extLst>
+              <a:ext uri="{FF2B5EF4-FFF2-40B4-BE49-F238E27FC236}">
+                <a16:creationId xmlns:a16="http://schemas.microsoft.com/office/drawing/2014/main" id="{E0146FBE-D190-3ABD-41F5-C5E56EB20829}"/>
+              </a:ext>
+            </a:extLst>
+          </p:cNvPr>
+          <p:cNvSpPr/>
+          <p:nvPr/>
+        </p:nvSpPr>
+        <p:spPr>
+          <a:xfrm>
+            <a:off x="6340200" y="1562107"/>
+            <a:ext cx="1519926" cy="5247154"/>
+          </a:xfrm>
+          <a:prstGeom prst="roundRect">
+            <a:avLst/>
+          </a:prstGeom>
+          <a:noFill/>
+          <a:ln>
+            <a:solidFill>
+              <a:schemeClr val="accent6"/>
+            </a:solidFill>
+          </a:ln>
+        </p:spPr>
+        <p:style>
+          <a:lnRef idx="0">
+            <a:scrgbClr r="0" g="0" b="0"/>
+          </a:lnRef>
+          <a:fillRef idx="0">
+            <a:scrgbClr r="0" g="0" b="0"/>
+          </a:fillRef>
+          <a:effectRef idx="0">
+            <a:scrgbClr r="0" g="0" b="0"/>
+          </a:effectRef>
+          <a:fontRef idx="minor">
+            <a:schemeClr val="lt1"/>
+          </a:fontRef>
+        </p:style>
+        <p:txBody>
+          <a:bodyPr rtlCol="0" anchor="ctr"/>
+          <a:lstStyle/>
+          <a:p>
+            <a:pPr algn="ctr"/>
+            <a:endParaRPr lang="ko-KR" altLang="en-US" dirty="0">
+              <a:solidFill>
+                <a:schemeClr val="tx1"/>
+              </a:solidFill>
+            </a:endParaRPr>
+          </a:p>
+        </p:txBody>
+      </p:sp>
+      <p:sp>
+        <p:nvSpPr>
+          <p:cNvPr id="40" name="사각형: 둥근 모서리 39">
+            <a:extLst>
+              <a:ext uri="{FF2B5EF4-FFF2-40B4-BE49-F238E27FC236}">
+                <a16:creationId xmlns:a16="http://schemas.microsoft.com/office/drawing/2014/main" id="{A05EBADF-6FF4-F11C-3FE8-DBF84A5F4977}"/>
+              </a:ext>
+            </a:extLst>
+          </p:cNvPr>
+          <p:cNvSpPr/>
+          <p:nvPr/>
+        </p:nvSpPr>
+        <p:spPr>
+          <a:xfrm>
+            <a:off x="8480772" y="1562107"/>
+            <a:ext cx="2323322" cy="5247154"/>
+          </a:xfrm>
+          <a:prstGeom prst="roundRect">
+            <a:avLst/>
+          </a:prstGeom>
+          <a:noFill/>
+          <a:ln>
+            <a:solidFill>
+              <a:schemeClr val="accent5"/>
+            </a:solidFill>
+          </a:ln>
+        </p:spPr>
+        <p:style>
+          <a:lnRef idx="0">
+            <a:scrgbClr r="0" g="0" b="0"/>
+          </a:lnRef>
+          <a:fillRef idx="0">
+            <a:scrgbClr r="0" g="0" b="0"/>
+          </a:fillRef>
+          <a:effectRef idx="0">
+            <a:scrgbClr r="0" g="0" b="0"/>
+          </a:effectRef>
+          <a:fontRef idx="minor">
+            <a:schemeClr val="lt1"/>
+          </a:fontRef>
+        </p:style>
+        <p:txBody>
+          <a:bodyPr rtlCol="0" anchor="ctr"/>
+          <a:lstStyle/>
+          <a:p>
+            <a:pPr algn="ctr"/>
+            <a:endParaRPr lang="ko-KR" altLang="en-US" dirty="0">
+              <a:solidFill>
+                <a:schemeClr val="tx1"/>
+              </a:solidFill>
+            </a:endParaRPr>
+          </a:p>
+        </p:txBody>
+      </p:sp>
+      <p:sp>
+        <p:nvSpPr>
+          <p:cNvPr id="41" name="직사각형 40">
+            <a:extLst>
+              <a:ext uri="{FF2B5EF4-FFF2-40B4-BE49-F238E27FC236}">
+                <a16:creationId xmlns:a16="http://schemas.microsoft.com/office/drawing/2014/main" id="{9D93BFC8-D94A-F131-AD6D-08BAE493FC30}"/>
+              </a:ext>
+            </a:extLst>
+          </p:cNvPr>
+          <p:cNvSpPr/>
+          <p:nvPr/>
+        </p:nvSpPr>
+        <p:spPr>
+          <a:xfrm>
+            <a:off x="1242158" y="2611490"/>
+            <a:ext cx="1567543" cy="363894"/>
+          </a:xfrm>
+          <a:prstGeom prst="rect">
+            <a:avLst/>
+          </a:prstGeom>
+          <a:noFill/>
+          <a:ln>
+            <a:noFill/>
+          </a:ln>
+        </p:spPr>
+        <p:style>
+          <a:lnRef idx="2">
+            <a:schemeClr val="accent1">
+              <a:shade val="15000"/>
+            </a:schemeClr>
+          </a:lnRef>
+          <a:fillRef idx="1">
+            <a:schemeClr val="accent1"/>
+          </a:fillRef>
+          <a:effectRef idx="0">
+            <a:schemeClr val="accent1"/>
+          </a:effectRef>
+          <a:fontRef idx="minor">
+            <a:schemeClr val="lt1"/>
+          </a:fontRef>
+        </p:style>
+        <p:txBody>
+          <a:bodyPr rtlCol="0" anchor="ctr"/>
+          <a:lstStyle/>
+          <a:p>
+            <a:pPr algn="ctr"/>
+            <a:r>
+              <a:rPr lang="en-US" altLang="ko-KR" dirty="0">
+                <a:solidFill>
+                  <a:schemeClr val="accent4"/>
+                </a:solidFill>
+              </a:rPr>
+              <a:t>Sensor</a:t>
+            </a:r>
+            <a:endParaRPr lang="ko-KR" altLang="en-US" dirty="0">
+              <a:solidFill>
+                <a:schemeClr val="accent4"/>
+              </a:solidFill>
+            </a:endParaRPr>
+          </a:p>
+        </p:txBody>
+      </p:sp>
+      <p:sp>
+        <p:nvSpPr>
+          <p:cNvPr id="42" name="직사각형 41">
+            <a:extLst>
+              <a:ext uri="{FF2B5EF4-FFF2-40B4-BE49-F238E27FC236}">
+                <a16:creationId xmlns:a16="http://schemas.microsoft.com/office/drawing/2014/main" id="{434AD7D7-FE3D-59D0-1B49-5283EEF2998D}"/>
+              </a:ext>
+            </a:extLst>
+          </p:cNvPr>
+          <p:cNvSpPr/>
+          <p:nvPr/>
+        </p:nvSpPr>
+        <p:spPr>
+          <a:xfrm>
+            <a:off x="3755610" y="1206868"/>
+            <a:ext cx="1567543" cy="363894"/>
+          </a:xfrm>
+          <a:prstGeom prst="rect">
+            <a:avLst/>
+          </a:prstGeom>
+          <a:noFill/>
+          <a:ln>
+            <a:noFill/>
+          </a:ln>
+        </p:spPr>
+        <p:style>
+          <a:lnRef idx="2">
+            <a:schemeClr val="accent1">
+              <a:shade val="15000"/>
+            </a:schemeClr>
+          </a:lnRef>
+          <a:fillRef idx="1">
+            <a:schemeClr val="accent1"/>
+          </a:fillRef>
+          <a:effectRef idx="0">
+            <a:schemeClr val="accent1"/>
+          </a:effectRef>
+          <a:fontRef idx="minor">
+            <a:schemeClr val="lt1"/>
+          </a:fontRef>
+        </p:style>
+        <p:txBody>
+          <a:bodyPr rtlCol="0" anchor="ctr"/>
+          <a:lstStyle/>
+          <a:p>
+            <a:pPr algn="ctr"/>
+            <a:r>
+              <a:rPr lang="en-US" altLang="ko-KR" dirty="0">
+                <a:solidFill>
+                  <a:schemeClr val="accent2"/>
+                </a:solidFill>
+              </a:rPr>
+              <a:t>Perception</a:t>
+            </a:r>
+            <a:endParaRPr lang="ko-KR" altLang="en-US" dirty="0">
+              <a:solidFill>
+                <a:schemeClr val="accent2"/>
+              </a:solidFill>
+            </a:endParaRPr>
+          </a:p>
+        </p:txBody>
+      </p:sp>
+      <p:sp>
+        <p:nvSpPr>
+          <p:cNvPr id="43" name="직사각형 42">
+            <a:extLst>
+              <a:ext uri="{FF2B5EF4-FFF2-40B4-BE49-F238E27FC236}">
+                <a16:creationId xmlns:a16="http://schemas.microsoft.com/office/drawing/2014/main" id="{F380D800-362D-4E0E-1AAD-66BA442E47B1}"/>
+              </a:ext>
+            </a:extLst>
+          </p:cNvPr>
+          <p:cNvSpPr/>
+          <p:nvPr/>
+        </p:nvSpPr>
+        <p:spPr>
+          <a:xfrm>
+            <a:off x="6316391" y="1189313"/>
+            <a:ext cx="1567543" cy="363894"/>
+          </a:xfrm>
+          <a:prstGeom prst="rect">
+            <a:avLst/>
+          </a:prstGeom>
+          <a:noFill/>
+          <a:ln>
+            <a:noFill/>
+          </a:ln>
+        </p:spPr>
+        <p:style>
+          <a:lnRef idx="2">
+            <a:schemeClr val="accent1">
+              <a:shade val="15000"/>
+            </a:schemeClr>
+          </a:lnRef>
+          <a:fillRef idx="1">
+            <a:schemeClr val="accent1"/>
+          </a:fillRef>
+          <a:effectRef idx="0">
+            <a:schemeClr val="accent1"/>
+          </a:effectRef>
+          <a:fontRef idx="minor">
+            <a:schemeClr val="lt1"/>
+          </a:fontRef>
+        </p:style>
+        <p:txBody>
+          <a:bodyPr rtlCol="0" anchor="ctr"/>
+          <a:lstStyle/>
+          <a:p>
+            <a:pPr algn="ctr"/>
+            <a:r>
+              <a:rPr lang="en-US" altLang="ko-KR" dirty="0">
+                <a:solidFill>
+                  <a:schemeClr val="accent6"/>
+                </a:solidFill>
+              </a:rPr>
+              <a:t>Decision</a:t>
+            </a:r>
+            <a:endParaRPr lang="ko-KR" altLang="en-US" dirty="0">
+              <a:solidFill>
+                <a:schemeClr val="accent6"/>
+              </a:solidFill>
+            </a:endParaRPr>
+          </a:p>
+        </p:txBody>
+      </p:sp>
+      <p:sp>
+        <p:nvSpPr>
+          <p:cNvPr id="44" name="직사각형 43">
+            <a:extLst>
+              <a:ext uri="{FF2B5EF4-FFF2-40B4-BE49-F238E27FC236}">
+                <a16:creationId xmlns:a16="http://schemas.microsoft.com/office/drawing/2014/main" id="{F5186436-3D99-E8BE-2DC4-3C46CDA319F4}"/>
+              </a:ext>
+            </a:extLst>
+          </p:cNvPr>
+          <p:cNvSpPr/>
+          <p:nvPr/>
+        </p:nvSpPr>
+        <p:spPr>
+          <a:xfrm>
+            <a:off x="8858661" y="1204546"/>
+            <a:ext cx="1567543" cy="363894"/>
+          </a:xfrm>
+          <a:prstGeom prst="rect">
+            <a:avLst/>
+          </a:prstGeom>
+          <a:noFill/>
+          <a:ln>
+            <a:noFill/>
+          </a:ln>
+        </p:spPr>
+        <p:style>
+          <a:lnRef idx="2">
+            <a:schemeClr val="accent1">
+              <a:shade val="15000"/>
+            </a:schemeClr>
+          </a:lnRef>
+          <a:fillRef idx="1">
+            <a:schemeClr val="accent1"/>
+          </a:fillRef>
+          <a:effectRef idx="0">
+            <a:schemeClr val="accent1"/>
+          </a:effectRef>
+          <a:fontRef idx="minor">
+            <a:schemeClr val="lt1"/>
+          </a:fontRef>
+        </p:style>
+        <p:txBody>
+          <a:bodyPr rtlCol="0" anchor="ctr"/>
+          <a:lstStyle/>
+          <a:p>
+            <a:pPr algn="ctr"/>
+            <a:r>
+              <a:rPr lang="en-US" altLang="ko-KR" dirty="0">
+                <a:solidFill>
+                  <a:schemeClr val="accent5"/>
+                </a:solidFill>
+              </a:rPr>
+              <a:t>Carla</a:t>
+            </a:r>
+            <a:endParaRPr lang="ko-KR" altLang="en-US" dirty="0">
+              <a:solidFill>
+                <a:schemeClr val="accent5"/>
+              </a:solidFill>
+            </a:endParaRPr>
           </a:p>
         </p:txBody>
       </p:sp>
     </p:spTree>
     <p:extLst>
       <p:ext uri="{BB962C8B-B14F-4D97-AF65-F5344CB8AC3E}">
-        <p14:creationId xmlns:p14="http://schemas.microsoft.com/office/powerpoint/2010/main" val="1169557270"/>
+        <p14:creationId xmlns:p14="http://schemas.microsoft.com/office/powerpoint/2010/main" val="3070741854"/>
       </p:ext>
     </p:extLst>
   </p:cSld>
@@ -5414,7 +10182,7 @@
         </p:nvSpPr>
         <p:spPr>
           <a:xfrm>
-            <a:off x="3538049" y="1924161"/>
+            <a:off x="3538049" y="1905111"/>
             <a:ext cx="2323322" cy="3825551"/>
           </a:xfrm>
           <a:prstGeom prst="roundRect">
@@ -7658,7 +12426,7 @@
             </a:pPr>
             <a:r>
               <a:rPr lang="ko-KR" altLang="en-US" dirty="0"/>
-              <a:t>사진</a:t>
+              <a:t>영상</a:t>
             </a:r>
           </a:p>
         </p:txBody>
@@ -7885,7 +12653,7 @@
             </a:pPr>
             <a:r>
               <a:rPr lang="ko-KR" altLang="en-US" dirty="0"/>
-              <a:t>사진</a:t>
+              <a:t>영상</a:t>
             </a:r>
           </a:p>
         </p:txBody>
@@ -8112,7 +12880,7 @@
             </a:pPr>
             <a:r>
               <a:rPr lang="ko-KR" altLang="en-US" dirty="0"/>
-              <a:t>사진</a:t>
+              <a:t>영상</a:t>
             </a:r>
           </a:p>
         </p:txBody>
@@ -8321,7 +13089,7 @@
             </a:pPr>
             <a:r>
               <a:rPr lang="ko-KR" altLang="en-US" dirty="0"/>
-              <a:t>사진</a:t>
+              <a:t>영상</a:t>
             </a:r>
           </a:p>
         </p:txBody>
@@ -8555,7 +13323,7 @@
             </a:pPr>
             <a:r>
               <a:rPr lang="ko-KR" altLang="en-US" dirty="0"/>
-              <a:t>사진</a:t>
+              <a:t>영상</a:t>
             </a:r>
           </a:p>
         </p:txBody>
@@ -8789,7 +13557,7 @@
             </a:pPr>
             <a:r>
               <a:rPr lang="ko-KR" altLang="en-US" dirty="0"/>
-              <a:t>사진</a:t>
+              <a:t>영상</a:t>
             </a:r>
           </a:p>
         </p:txBody>
